--- a/reuse ppt.pptx
+++ b/reuse ppt.pptx
@@ -5,24 +5,23 @@
     <p:sldMasterId id="2147483660" r:id="rId1"/>
   </p:sldMasterIdLst>
   <p:notesMasterIdLst>
-    <p:notesMasterId r:id="rId17"/>
+    <p:notesMasterId r:id="rId16"/>
   </p:notesMasterIdLst>
   <p:sldIdLst>
     <p:sldId id="259" r:id="rId2"/>
     <p:sldId id="260" r:id="rId3"/>
     <p:sldId id="267" r:id="rId4"/>
-    <p:sldId id="268" r:id="rId5"/>
-    <p:sldId id="261" r:id="rId6"/>
-    <p:sldId id="271" r:id="rId7"/>
-    <p:sldId id="269" r:id="rId8"/>
-    <p:sldId id="272" r:id="rId9"/>
-    <p:sldId id="270" r:id="rId10"/>
-    <p:sldId id="273" r:id="rId11"/>
-    <p:sldId id="262" r:id="rId12"/>
-    <p:sldId id="263" r:id="rId13"/>
-    <p:sldId id="264" r:id="rId14"/>
-    <p:sldId id="265" r:id="rId15"/>
-    <p:sldId id="266" r:id="rId16"/>
+    <p:sldId id="261" r:id="rId5"/>
+    <p:sldId id="271" r:id="rId6"/>
+    <p:sldId id="269" r:id="rId7"/>
+    <p:sldId id="272" r:id="rId8"/>
+    <p:sldId id="270" r:id="rId9"/>
+    <p:sldId id="273" r:id="rId10"/>
+    <p:sldId id="262" r:id="rId11"/>
+    <p:sldId id="263" r:id="rId12"/>
+    <p:sldId id="264" r:id="rId13"/>
+    <p:sldId id="265" r:id="rId14"/>
+    <p:sldId id="266" r:id="rId15"/>
   </p:sldIdLst>
   <p:sldSz cx="12192000" cy="6858000"/>
   <p:notesSz cx="6858000" cy="9144000"/>
@@ -1292,7 +1291,7 @@
           <a:p>
             <a:fld id="{DDB069A8-2626-4B7E-A99D-1BC292047849}" type="slidenum">
               <a:rPr lang="ko-KR" altLang="en-US" smtClean="0"/>
-              <a:t>5</a:t>
+              <a:t>4</a:t>
             </a:fld>
             <a:endParaRPr lang="ko-KR" altLang="en-US"/>
           </a:p>
@@ -5639,980 +5638,6 @@
           <a:chExt cx="0" cy="0"/>
         </a:xfrm>
       </p:grpSpPr>
-      <p:sp>
-        <p:nvSpPr>
-          <p:cNvPr id="3" name="사각형: 둥근 위쪽 모서리 2">
-            <a:extLst>
-              <a:ext uri="{FF2B5EF4-FFF2-40B4-BE49-F238E27FC236}">
-                <a16:creationId xmlns:a16="http://schemas.microsoft.com/office/drawing/2014/main" id="{9BDF9E9C-2163-B923-11B3-AB965C349204}"/>
-              </a:ext>
-            </a:extLst>
-          </p:cNvPr>
-          <p:cNvSpPr/>
-          <p:nvPr/>
-        </p:nvSpPr>
-        <p:spPr>
-          <a:xfrm>
-            <a:off x="378667" y="0"/>
-            <a:ext cx="11436506" cy="6857999"/>
-          </a:xfrm>
-          <a:prstGeom prst="round2SameRect">
-            <a:avLst>
-              <a:gd name="adj1" fmla="val 3056"/>
-              <a:gd name="adj2" fmla="val 4233"/>
-            </a:avLst>
-          </a:prstGeom>
-          <a:solidFill>
-            <a:schemeClr val="bg1"/>
-          </a:solidFill>
-          <a:ln w="82550">
-            <a:solidFill>
-              <a:schemeClr val="accent1">
-                <a:lumMod val="50000"/>
-              </a:schemeClr>
-            </a:solidFill>
-            <a:round/>
-          </a:ln>
-          <a:effectLst>
-            <a:innerShdw dist="165100" dir="5400000">
-              <a:schemeClr val="accent1">
-                <a:lumMod val="50000"/>
-                <a:alpha val="30000"/>
-              </a:schemeClr>
-            </a:innerShdw>
-          </a:effectLst>
-        </p:spPr>
-        <p:style>
-          <a:lnRef idx="2">
-            <a:schemeClr val="accent1">
-              <a:shade val="15000"/>
-            </a:schemeClr>
-          </a:lnRef>
-          <a:fillRef idx="1">
-            <a:schemeClr val="accent1"/>
-          </a:fillRef>
-          <a:effectRef idx="0">
-            <a:schemeClr val="accent1"/>
-          </a:effectRef>
-          <a:fontRef idx="minor">
-            <a:schemeClr val="lt1"/>
-          </a:fontRef>
-        </p:style>
-        <p:txBody>
-          <a:bodyPr wrap="square" tIns="144000" rtlCol="0" anchor="t">
-            <a:noAutofit/>
-          </a:bodyPr>
-          <a:lstStyle/>
-          <a:p>
-            <a:pPr algn="ctr">
-              <a:defRPr/>
-            </a:pPr>
-            <a:r>
-              <a:rPr lang="en-US" altLang="ko-KR" sz="2400" i="1" kern="0" dirty="0">
-                <a:ln w="9525">
-                  <a:noFill/>
-                </a:ln>
-                <a:solidFill>
-                  <a:srgbClr val="4472C4">
-                    <a:lumMod val="50000"/>
-                  </a:srgbClr>
-                </a:solidFill>
-                <a:latin typeface="Tmon몬소리 Black" panose="02000A03000000000000" pitchFamily="2" charset="-127"/>
-                <a:ea typeface="Tmon몬소리 Black" panose="02000A03000000000000" pitchFamily="2" charset="-127"/>
-              </a:rPr>
-              <a:t>PPT PRESENTATION </a:t>
-            </a:r>
-          </a:p>
-          <a:p>
-            <a:pPr algn="ctr">
-              <a:defRPr/>
-            </a:pPr>
-            <a:r>
-              <a:rPr lang="en-US" altLang="ko-KR" sz="700" kern="0" dirty="0">
-                <a:solidFill>
-                  <a:srgbClr val="4472C4">
-                    <a:lumMod val="50000"/>
-                  </a:srgbClr>
-                </a:solidFill>
-              </a:rPr>
-              <a:t>Enjoy your stylish business and campus life with BIZCAM</a:t>
-            </a:r>
-            <a:endParaRPr lang="ko-KR" altLang="en-US" sz="1050" dirty="0">
-              <a:solidFill>
-                <a:srgbClr val="4472C4">
-                  <a:lumMod val="50000"/>
-                </a:srgbClr>
-              </a:solidFill>
-            </a:endParaRPr>
-          </a:p>
-        </p:txBody>
-      </p:sp>
-      <p:grpSp>
-        <p:nvGrpSpPr>
-          <p:cNvPr id="15" name="그룹 14">
-            <a:extLst>
-              <a:ext uri="{FF2B5EF4-FFF2-40B4-BE49-F238E27FC236}">
-                <a16:creationId xmlns:a16="http://schemas.microsoft.com/office/drawing/2014/main" id="{5CD4759D-FC55-2F92-AEF6-4EFA003CA396}"/>
-              </a:ext>
-            </a:extLst>
-          </p:cNvPr>
-          <p:cNvGrpSpPr/>
-          <p:nvPr/>
-        </p:nvGrpSpPr>
-        <p:grpSpPr>
-          <a:xfrm>
-            <a:off x="376827" y="279762"/>
-            <a:ext cx="2700000" cy="205740"/>
-            <a:chOff x="376827" y="279762"/>
-            <a:chExt cx="2700000" cy="205740"/>
-          </a:xfrm>
-        </p:grpSpPr>
-        <p:cxnSp>
-          <p:nvCxnSpPr>
-            <p:cNvPr id="9" name="직선 연결선 8">
-              <a:extLst>
-                <a:ext uri="{FF2B5EF4-FFF2-40B4-BE49-F238E27FC236}">
-                  <a16:creationId xmlns:a16="http://schemas.microsoft.com/office/drawing/2014/main" id="{851A6963-1BC3-4BE0-DDF6-E0850278AA56}"/>
-                </a:ext>
-              </a:extLst>
-            </p:cNvPr>
-            <p:cNvCxnSpPr>
-              <a:cxnSpLocks/>
-            </p:cNvCxnSpPr>
-            <p:nvPr/>
-          </p:nvCxnSpPr>
-          <p:spPr>
-            <a:xfrm>
-              <a:off x="376827" y="279762"/>
-              <a:ext cx="2088000" cy="0"/>
-            </a:xfrm>
-            <a:prstGeom prst="line">
-              <a:avLst/>
-            </a:prstGeom>
-            <a:ln w="22225">
-              <a:solidFill>
-                <a:schemeClr val="accent1">
-                  <a:lumMod val="50000"/>
-                </a:schemeClr>
-              </a:solidFill>
-            </a:ln>
-          </p:spPr>
-          <p:style>
-            <a:lnRef idx="1">
-              <a:schemeClr val="accent1"/>
-            </a:lnRef>
-            <a:fillRef idx="0">
-              <a:schemeClr val="accent1"/>
-            </a:fillRef>
-            <a:effectRef idx="0">
-              <a:schemeClr val="accent1"/>
-            </a:effectRef>
-            <a:fontRef idx="minor">
-              <a:schemeClr val="tx1"/>
-            </a:fontRef>
-          </p:style>
-        </p:cxnSp>
-        <p:cxnSp>
-          <p:nvCxnSpPr>
-            <p:cNvPr id="10" name="직선 연결선 9">
-              <a:extLst>
-                <a:ext uri="{FF2B5EF4-FFF2-40B4-BE49-F238E27FC236}">
-                  <a16:creationId xmlns:a16="http://schemas.microsoft.com/office/drawing/2014/main" id="{A34DD91B-7CBB-C9E4-ECBE-31DEECC645BB}"/>
-                </a:ext>
-              </a:extLst>
-            </p:cNvPr>
-            <p:cNvCxnSpPr>
-              <a:cxnSpLocks/>
-            </p:cNvCxnSpPr>
-            <p:nvPr/>
-          </p:nvCxnSpPr>
-          <p:spPr>
-            <a:xfrm>
-              <a:off x="376827" y="386442"/>
-              <a:ext cx="2700000" cy="0"/>
-            </a:xfrm>
-            <a:prstGeom prst="line">
-              <a:avLst/>
-            </a:prstGeom>
-            <a:ln w="22225">
-              <a:solidFill>
-                <a:schemeClr val="accent1">
-                  <a:lumMod val="50000"/>
-                </a:schemeClr>
-              </a:solidFill>
-            </a:ln>
-          </p:spPr>
-          <p:style>
-            <a:lnRef idx="1">
-              <a:schemeClr val="accent1"/>
-            </a:lnRef>
-            <a:fillRef idx="0">
-              <a:schemeClr val="accent1"/>
-            </a:fillRef>
-            <a:effectRef idx="0">
-              <a:schemeClr val="accent1"/>
-            </a:effectRef>
-            <a:fontRef idx="minor">
-              <a:schemeClr val="tx1"/>
-            </a:fontRef>
-          </p:style>
-        </p:cxnSp>
-        <p:cxnSp>
-          <p:nvCxnSpPr>
-            <p:cNvPr id="11" name="직선 연결선 10">
-              <a:extLst>
-                <a:ext uri="{FF2B5EF4-FFF2-40B4-BE49-F238E27FC236}">
-                  <a16:creationId xmlns:a16="http://schemas.microsoft.com/office/drawing/2014/main" id="{4AFB0FE2-B317-F729-D044-255108A19FC7}"/>
-                </a:ext>
-              </a:extLst>
-            </p:cNvPr>
-            <p:cNvCxnSpPr>
-              <a:cxnSpLocks/>
-            </p:cNvCxnSpPr>
-            <p:nvPr/>
-          </p:nvCxnSpPr>
-          <p:spPr>
-            <a:xfrm>
-              <a:off x="376827" y="485502"/>
-              <a:ext cx="1404000" cy="0"/>
-            </a:xfrm>
-            <a:prstGeom prst="line">
-              <a:avLst/>
-            </a:prstGeom>
-            <a:ln w="22225">
-              <a:solidFill>
-                <a:schemeClr val="accent1">
-                  <a:lumMod val="50000"/>
-                </a:schemeClr>
-              </a:solidFill>
-            </a:ln>
-          </p:spPr>
-          <p:style>
-            <a:lnRef idx="1">
-              <a:schemeClr val="accent1"/>
-            </a:lnRef>
-            <a:fillRef idx="0">
-              <a:schemeClr val="accent1"/>
-            </a:fillRef>
-            <a:effectRef idx="0">
-              <a:schemeClr val="accent1"/>
-            </a:effectRef>
-            <a:fontRef idx="minor">
-              <a:schemeClr val="tx1"/>
-            </a:fontRef>
-          </p:style>
-        </p:cxnSp>
-      </p:grpSp>
-      <p:sp>
-        <p:nvSpPr>
-          <p:cNvPr id="37" name="타원 36">
-            <a:extLst>
-              <a:ext uri="{FF2B5EF4-FFF2-40B4-BE49-F238E27FC236}">
-                <a16:creationId xmlns:a16="http://schemas.microsoft.com/office/drawing/2014/main" id="{674776AC-92EB-6078-A102-1C05F7614DF6}"/>
-              </a:ext>
-            </a:extLst>
-          </p:cNvPr>
-          <p:cNvSpPr/>
-          <p:nvPr/>
-        </p:nvSpPr>
-        <p:spPr>
-          <a:xfrm>
-            <a:off x="4893159" y="1855108"/>
-            <a:ext cx="2266950" cy="2266950"/>
-          </a:xfrm>
-          <a:prstGeom prst="ellipse">
-            <a:avLst/>
-          </a:prstGeom>
-          <a:solidFill>
-            <a:schemeClr val="bg1"/>
-          </a:solidFill>
-          <a:ln w="76200">
-            <a:solidFill>
-              <a:schemeClr val="accent1"/>
-            </a:solidFill>
-          </a:ln>
-        </p:spPr>
-        <p:style>
-          <a:lnRef idx="2">
-            <a:schemeClr val="accent1">
-              <a:shade val="50000"/>
-            </a:schemeClr>
-          </a:lnRef>
-          <a:fillRef idx="1">
-            <a:schemeClr val="accent1"/>
-          </a:fillRef>
-          <a:effectRef idx="0">
-            <a:schemeClr val="accent1"/>
-          </a:effectRef>
-          <a:fontRef idx="minor">
-            <a:schemeClr val="lt1"/>
-          </a:fontRef>
-        </p:style>
-        <p:txBody>
-          <a:bodyPr rtlCol="0" anchor="ctr"/>
-          <a:lstStyle/>
-          <a:p>
-            <a:pPr algn="ctr">
-              <a:defRPr/>
-            </a:pPr>
-            <a:r>
-              <a:rPr lang="en-US" altLang="ko-KR" sz="2400" b="1" dirty="0">
-                <a:solidFill>
-                  <a:prstClr val="black">
-                    <a:lumMod val="75000"/>
-                    <a:lumOff val="25000"/>
-                  </a:prstClr>
-                </a:solidFill>
-              </a:rPr>
-              <a:t>02</a:t>
-            </a:r>
-          </a:p>
-          <a:p>
-            <a:pPr algn="ctr">
-              <a:lnSpc>
-                <a:spcPct val="150000"/>
-              </a:lnSpc>
-              <a:defRPr/>
-            </a:pPr>
-            <a:r>
-              <a:rPr lang="en-US" altLang="ko-KR" sz="1400" dirty="0">
-                <a:solidFill>
-                  <a:prstClr val="black">
-                    <a:lumMod val="75000"/>
-                    <a:lumOff val="25000"/>
-                  </a:prstClr>
-                </a:solidFill>
-              </a:rPr>
-              <a:t>CONTENTS</a:t>
-            </a:r>
-          </a:p>
-        </p:txBody>
-      </p:sp>
-      <p:sp>
-        <p:nvSpPr>
-          <p:cNvPr id="38" name="타원 37">
-            <a:extLst>
-              <a:ext uri="{FF2B5EF4-FFF2-40B4-BE49-F238E27FC236}">
-                <a16:creationId xmlns:a16="http://schemas.microsoft.com/office/drawing/2014/main" id="{2897FC93-9919-6D0F-7AFD-3AB4FE247DF7}"/>
-              </a:ext>
-            </a:extLst>
-          </p:cNvPr>
-          <p:cNvSpPr/>
-          <p:nvPr/>
-        </p:nvSpPr>
-        <p:spPr>
-          <a:xfrm>
-            <a:off x="2200759" y="1855108"/>
-            <a:ext cx="2266950" cy="2266950"/>
-          </a:xfrm>
-          <a:prstGeom prst="ellipse">
-            <a:avLst/>
-          </a:prstGeom>
-          <a:solidFill>
-            <a:schemeClr val="bg1"/>
-          </a:solidFill>
-          <a:ln w="76200">
-            <a:solidFill>
-              <a:schemeClr val="accent1"/>
-            </a:solidFill>
-          </a:ln>
-        </p:spPr>
-        <p:style>
-          <a:lnRef idx="2">
-            <a:schemeClr val="accent1">
-              <a:shade val="50000"/>
-            </a:schemeClr>
-          </a:lnRef>
-          <a:fillRef idx="1">
-            <a:schemeClr val="accent1"/>
-          </a:fillRef>
-          <a:effectRef idx="0">
-            <a:schemeClr val="accent1"/>
-          </a:effectRef>
-          <a:fontRef idx="minor">
-            <a:schemeClr val="lt1"/>
-          </a:fontRef>
-        </p:style>
-        <p:txBody>
-          <a:bodyPr rtlCol="0" anchor="ctr"/>
-          <a:lstStyle/>
-          <a:p>
-            <a:pPr algn="ctr">
-              <a:defRPr/>
-            </a:pPr>
-            <a:r>
-              <a:rPr lang="en-US" altLang="ko-KR" sz="2400" b="1" dirty="0">
-                <a:solidFill>
-                  <a:prstClr val="black">
-                    <a:lumMod val="75000"/>
-                    <a:lumOff val="25000"/>
-                  </a:prstClr>
-                </a:solidFill>
-              </a:rPr>
-              <a:t>01</a:t>
-            </a:r>
-          </a:p>
-          <a:p>
-            <a:pPr algn="ctr">
-              <a:lnSpc>
-                <a:spcPct val="150000"/>
-              </a:lnSpc>
-              <a:defRPr/>
-            </a:pPr>
-            <a:r>
-              <a:rPr lang="en-US" altLang="ko-KR" sz="1400" dirty="0">
-                <a:solidFill>
-                  <a:prstClr val="black">
-                    <a:lumMod val="75000"/>
-                    <a:lumOff val="25000"/>
-                  </a:prstClr>
-                </a:solidFill>
-              </a:rPr>
-              <a:t>CONTENTS</a:t>
-            </a:r>
-          </a:p>
-        </p:txBody>
-      </p:sp>
-      <p:sp>
-        <p:nvSpPr>
-          <p:cNvPr id="39" name="이등변 삼각형 38">
-            <a:extLst>
-              <a:ext uri="{FF2B5EF4-FFF2-40B4-BE49-F238E27FC236}">
-                <a16:creationId xmlns:a16="http://schemas.microsoft.com/office/drawing/2014/main" id="{88917BB1-065F-46AF-6C75-774477F7158C}"/>
-              </a:ext>
-            </a:extLst>
-          </p:cNvPr>
-          <p:cNvSpPr/>
-          <p:nvPr/>
-        </p:nvSpPr>
-        <p:spPr>
-          <a:xfrm rot="5400000">
-            <a:off x="4424656" y="2685180"/>
-            <a:ext cx="972312" cy="606806"/>
-          </a:xfrm>
-          <a:prstGeom prst="triangle">
-            <a:avLst/>
-          </a:prstGeom>
-          <a:solidFill>
-            <a:schemeClr val="bg1"/>
-          </a:solidFill>
-          <a:ln>
-            <a:noFill/>
-          </a:ln>
-          <a:effectLst>
-            <a:outerShdw dist="38100" algn="l" rotWithShape="0">
-              <a:schemeClr val="accent1"/>
-            </a:outerShdw>
-          </a:effectLst>
-        </p:spPr>
-        <p:style>
-          <a:lnRef idx="2">
-            <a:schemeClr val="accent1">
-              <a:shade val="50000"/>
-            </a:schemeClr>
-          </a:lnRef>
-          <a:fillRef idx="1">
-            <a:schemeClr val="accent1"/>
-          </a:fillRef>
-          <a:effectRef idx="0">
-            <a:schemeClr val="accent1"/>
-          </a:effectRef>
-          <a:fontRef idx="minor">
-            <a:schemeClr val="lt1"/>
-          </a:fontRef>
-        </p:style>
-        <p:txBody>
-          <a:bodyPr rtlCol="0" anchor="ctr"/>
-          <a:lstStyle/>
-          <a:p>
-            <a:pPr algn="ctr">
-              <a:defRPr/>
-            </a:pPr>
-            <a:endParaRPr lang="ko-KR" altLang="en-US">
-              <a:solidFill>
-                <a:prstClr val="white"/>
-              </a:solidFill>
-            </a:endParaRPr>
-          </a:p>
-        </p:txBody>
-      </p:sp>
-      <p:sp>
-        <p:nvSpPr>
-          <p:cNvPr id="40" name="타원 39">
-            <a:extLst>
-              <a:ext uri="{FF2B5EF4-FFF2-40B4-BE49-F238E27FC236}">
-                <a16:creationId xmlns:a16="http://schemas.microsoft.com/office/drawing/2014/main" id="{9B669D97-823F-CFC2-8464-BED0A6D26605}"/>
-              </a:ext>
-            </a:extLst>
-          </p:cNvPr>
-          <p:cNvSpPr/>
-          <p:nvPr/>
-        </p:nvSpPr>
-        <p:spPr>
-          <a:xfrm>
-            <a:off x="7731609" y="1855108"/>
-            <a:ext cx="2266950" cy="2266950"/>
-          </a:xfrm>
-          <a:prstGeom prst="ellipse">
-            <a:avLst/>
-          </a:prstGeom>
-          <a:solidFill>
-            <a:schemeClr val="tx2">
-              <a:lumMod val="50000"/>
-            </a:schemeClr>
-          </a:solidFill>
-          <a:ln w="76200">
-            <a:solidFill>
-              <a:srgbClr val="FF9900"/>
-            </a:solidFill>
-          </a:ln>
-        </p:spPr>
-        <p:style>
-          <a:lnRef idx="2">
-            <a:schemeClr val="accent1">
-              <a:shade val="50000"/>
-            </a:schemeClr>
-          </a:lnRef>
-          <a:fillRef idx="1">
-            <a:schemeClr val="accent1"/>
-          </a:fillRef>
-          <a:effectRef idx="0">
-            <a:schemeClr val="accent1"/>
-          </a:effectRef>
-          <a:fontRef idx="minor">
-            <a:schemeClr val="lt1"/>
-          </a:fontRef>
-        </p:style>
-        <p:txBody>
-          <a:bodyPr rtlCol="0" anchor="ctr"/>
-          <a:lstStyle/>
-          <a:p>
-            <a:pPr algn="ctr">
-              <a:defRPr/>
-            </a:pPr>
-            <a:r>
-              <a:rPr lang="en-US" altLang="ko-KR" sz="2400" b="1" dirty="0">
-                <a:solidFill>
-                  <a:prstClr val="black">
-                    <a:lumMod val="75000"/>
-                    <a:lumOff val="25000"/>
-                  </a:prstClr>
-                </a:solidFill>
-              </a:rPr>
-              <a:t>03</a:t>
-            </a:r>
-          </a:p>
-          <a:p>
-            <a:pPr algn="ctr">
-              <a:lnSpc>
-                <a:spcPct val="150000"/>
-              </a:lnSpc>
-              <a:defRPr/>
-            </a:pPr>
-            <a:r>
-              <a:rPr lang="en-US" altLang="ko-KR" sz="1400" dirty="0">
-                <a:solidFill>
-                  <a:prstClr val="black">
-                    <a:lumMod val="75000"/>
-                    <a:lumOff val="25000"/>
-                  </a:prstClr>
-                </a:solidFill>
-              </a:rPr>
-              <a:t>CONTENTS</a:t>
-            </a:r>
-          </a:p>
-        </p:txBody>
-      </p:sp>
-      <p:sp>
-        <p:nvSpPr>
-          <p:cNvPr id="41" name="이등변 삼각형 40">
-            <a:extLst>
-              <a:ext uri="{FF2B5EF4-FFF2-40B4-BE49-F238E27FC236}">
-                <a16:creationId xmlns:a16="http://schemas.microsoft.com/office/drawing/2014/main" id="{7917F28D-2FC5-AA62-526E-2D7C95F7F6C9}"/>
-              </a:ext>
-            </a:extLst>
-          </p:cNvPr>
-          <p:cNvSpPr/>
-          <p:nvPr/>
-        </p:nvSpPr>
-        <p:spPr>
-          <a:xfrm rot="5400000">
-            <a:off x="7263106" y="2685180"/>
-            <a:ext cx="972312" cy="606806"/>
-          </a:xfrm>
-          <a:prstGeom prst="triangle">
-            <a:avLst/>
-          </a:prstGeom>
-          <a:solidFill>
-            <a:schemeClr val="bg1"/>
-          </a:solidFill>
-          <a:ln>
-            <a:noFill/>
-          </a:ln>
-          <a:effectLst>
-            <a:outerShdw dist="38100" algn="l" rotWithShape="0">
-              <a:srgbClr val="FF9900"/>
-            </a:outerShdw>
-          </a:effectLst>
-        </p:spPr>
-        <p:style>
-          <a:lnRef idx="2">
-            <a:schemeClr val="accent1">
-              <a:shade val="50000"/>
-            </a:schemeClr>
-          </a:lnRef>
-          <a:fillRef idx="1">
-            <a:schemeClr val="accent1"/>
-          </a:fillRef>
-          <a:effectRef idx="0">
-            <a:schemeClr val="accent1"/>
-          </a:effectRef>
-          <a:fontRef idx="minor">
-            <a:schemeClr val="lt1"/>
-          </a:fontRef>
-        </p:style>
-        <p:txBody>
-          <a:bodyPr rtlCol="0" anchor="ctr"/>
-          <a:lstStyle/>
-          <a:p>
-            <a:pPr algn="ctr">
-              <a:defRPr/>
-            </a:pPr>
-            <a:endParaRPr lang="ko-KR" altLang="en-US">
-              <a:solidFill>
-                <a:prstClr val="white"/>
-              </a:solidFill>
-            </a:endParaRPr>
-          </a:p>
-        </p:txBody>
-      </p:sp>
-      <p:sp>
-        <p:nvSpPr>
-          <p:cNvPr id="44" name="직사각형 43">
-            <a:extLst>
-              <a:ext uri="{FF2B5EF4-FFF2-40B4-BE49-F238E27FC236}">
-                <a16:creationId xmlns:a16="http://schemas.microsoft.com/office/drawing/2014/main" id="{CF27CF30-B418-5C98-4B39-7AA3F7470796}"/>
-              </a:ext>
-            </a:extLst>
-          </p:cNvPr>
-          <p:cNvSpPr/>
-          <p:nvPr/>
-        </p:nvSpPr>
-        <p:spPr>
-          <a:xfrm>
-            <a:off x="2068734" y="4541987"/>
-            <a:ext cx="2530999" cy="1246495"/>
-          </a:xfrm>
-          <a:prstGeom prst="rect">
-            <a:avLst/>
-          </a:prstGeom>
-        </p:spPr>
-        <p:txBody>
-          <a:bodyPr wrap="square">
-            <a:spAutoFit/>
-          </a:bodyPr>
-          <a:lstStyle/>
-          <a:p>
-            <a:pPr algn="ctr">
-              <a:lnSpc>
-                <a:spcPct val="150000"/>
-              </a:lnSpc>
-              <a:defRPr/>
-            </a:pPr>
-            <a:r>
-              <a:rPr lang="en-US" altLang="ko-KR" sz="1600" b="1" dirty="0">
-                <a:solidFill>
-                  <a:srgbClr val="44546A">
-                    <a:lumMod val="75000"/>
-                  </a:srgbClr>
-                </a:solidFill>
-              </a:rPr>
-              <a:t>CONTENTS</a:t>
-            </a:r>
-          </a:p>
-          <a:p>
-            <a:pPr algn="ctr">
-              <a:lnSpc>
-                <a:spcPct val="150000"/>
-              </a:lnSpc>
-              <a:defRPr/>
-            </a:pPr>
-            <a:r>
-              <a:rPr lang="ko-KR" altLang="en-US" sz="1400" dirty="0">
-                <a:solidFill>
-                  <a:prstClr val="black">
-                    <a:lumMod val="65000"/>
-                    <a:lumOff val="35000"/>
-                  </a:prstClr>
-                </a:solidFill>
-              </a:rPr>
-              <a:t>컨텐츠에 대한 내용을 적어요</a:t>
-            </a:r>
-            <a:endParaRPr lang="en-US" altLang="ko-KR" sz="1400" dirty="0">
-              <a:solidFill>
-                <a:prstClr val="black">
-                  <a:lumMod val="65000"/>
-                  <a:lumOff val="35000"/>
-                </a:prstClr>
-              </a:solidFill>
-            </a:endParaRPr>
-          </a:p>
-          <a:p>
-            <a:pPr algn="ctr">
-              <a:lnSpc>
-                <a:spcPct val="150000"/>
-              </a:lnSpc>
-              <a:defRPr/>
-            </a:pPr>
-            <a:r>
-              <a:rPr lang="ko-KR" altLang="en-US" sz="1000" dirty="0">
-                <a:solidFill>
-                  <a:prstClr val="black">
-                    <a:lumMod val="65000"/>
-                    <a:lumOff val="35000"/>
-                  </a:prstClr>
-                </a:solidFill>
-              </a:rPr>
-              <a:t>Enjoy your stylish business and campus life with BIZCAM </a:t>
-            </a:r>
-          </a:p>
-        </p:txBody>
-      </p:sp>
-      <p:sp>
-        <p:nvSpPr>
-          <p:cNvPr id="45" name="직사각형 44">
-            <a:extLst>
-              <a:ext uri="{FF2B5EF4-FFF2-40B4-BE49-F238E27FC236}">
-                <a16:creationId xmlns:a16="http://schemas.microsoft.com/office/drawing/2014/main" id="{814F326D-DF88-D4B9-3A22-922FD98AA39E}"/>
-              </a:ext>
-            </a:extLst>
-          </p:cNvPr>
-          <p:cNvSpPr/>
-          <p:nvPr/>
-        </p:nvSpPr>
-        <p:spPr>
-          <a:xfrm>
-            <a:off x="4761134" y="4533103"/>
-            <a:ext cx="2530999" cy="1246495"/>
-          </a:xfrm>
-          <a:prstGeom prst="rect">
-            <a:avLst/>
-          </a:prstGeom>
-        </p:spPr>
-        <p:txBody>
-          <a:bodyPr wrap="square">
-            <a:spAutoFit/>
-          </a:bodyPr>
-          <a:lstStyle/>
-          <a:p>
-            <a:pPr algn="ctr">
-              <a:lnSpc>
-                <a:spcPct val="150000"/>
-              </a:lnSpc>
-              <a:defRPr/>
-            </a:pPr>
-            <a:r>
-              <a:rPr lang="en-US" altLang="ko-KR" sz="1600" b="1" dirty="0">
-                <a:solidFill>
-                  <a:srgbClr val="44546A">
-                    <a:lumMod val="75000"/>
-                  </a:srgbClr>
-                </a:solidFill>
-              </a:rPr>
-              <a:t>CONTENTS</a:t>
-            </a:r>
-          </a:p>
-          <a:p>
-            <a:pPr algn="ctr">
-              <a:lnSpc>
-                <a:spcPct val="150000"/>
-              </a:lnSpc>
-              <a:defRPr/>
-            </a:pPr>
-            <a:r>
-              <a:rPr lang="ko-KR" altLang="en-US" sz="1400" dirty="0">
-                <a:solidFill>
-                  <a:prstClr val="black">
-                    <a:lumMod val="65000"/>
-                    <a:lumOff val="35000"/>
-                  </a:prstClr>
-                </a:solidFill>
-              </a:rPr>
-              <a:t>컨텐츠에 대한 내용을 적어요</a:t>
-            </a:r>
-            <a:endParaRPr lang="en-US" altLang="ko-KR" sz="1400" dirty="0">
-              <a:solidFill>
-                <a:prstClr val="black">
-                  <a:lumMod val="65000"/>
-                  <a:lumOff val="35000"/>
-                </a:prstClr>
-              </a:solidFill>
-            </a:endParaRPr>
-          </a:p>
-          <a:p>
-            <a:pPr algn="ctr">
-              <a:lnSpc>
-                <a:spcPct val="150000"/>
-              </a:lnSpc>
-              <a:defRPr/>
-            </a:pPr>
-            <a:r>
-              <a:rPr lang="ko-KR" altLang="en-US" sz="1000" dirty="0">
-                <a:solidFill>
-                  <a:prstClr val="black">
-                    <a:lumMod val="65000"/>
-                    <a:lumOff val="35000"/>
-                  </a:prstClr>
-                </a:solidFill>
-              </a:rPr>
-              <a:t>Enjoy your stylish business and campus life with BIZCAM </a:t>
-            </a:r>
-          </a:p>
-        </p:txBody>
-      </p:sp>
-      <p:sp>
-        <p:nvSpPr>
-          <p:cNvPr id="46" name="직사각형 45">
-            <a:extLst>
-              <a:ext uri="{FF2B5EF4-FFF2-40B4-BE49-F238E27FC236}">
-                <a16:creationId xmlns:a16="http://schemas.microsoft.com/office/drawing/2014/main" id="{B11D4CF5-5276-5BC9-4506-378501F7571E}"/>
-              </a:ext>
-            </a:extLst>
-          </p:cNvPr>
-          <p:cNvSpPr/>
-          <p:nvPr/>
-        </p:nvSpPr>
-        <p:spPr>
-          <a:xfrm>
-            <a:off x="7599584" y="4533102"/>
-            <a:ext cx="2530999" cy="1246495"/>
-          </a:xfrm>
-          <a:prstGeom prst="rect">
-            <a:avLst/>
-          </a:prstGeom>
-        </p:spPr>
-        <p:txBody>
-          <a:bodyPr wrap="square">
-            <a:spAutoFit/>
-          </a:bodyPr>
-          <a:lstStyle/>
-          <a:p>
-            <a:pPr algn="ctr">
-              <a:lnSpc>
-                <a:spcPct val="150000"/>
-              </a:lnSpc>
-              <a:defRPr/>
-            </a:pPr>
-            <a:r>
-              <a:rPr lang="en-US" altLang="ko-KR" sz="1600" b="1" dirty="0">
-                <a:solidFill>
-                  <a:srgbClr val="44546A">
-                    <a:lumMod val="75000"/>
-                  </a:srgbClr>
-                </a:solidFill>
-              </a:rPr>
-              <a:t>CONTENTS</a:t>
-            </a:r>
-          </a:p>
-          <a:p>
-            <a:pPr algn="ctr">
-              <a:lnSpc>
-                <a:spcPct val="150000"/>
-              </a:lnSpc>
-              <a:defRPr/>
-            </a:pPr>
-            <a:r>
-              <a:rPr lang="ko-KR" altLang="en-US" sz="1400" dirty="0">
-                <a:solidFill>
-                  <a:prstClr val="black">
-                    <a:lumMod val="65000"/>
-                    <a:lumOff val="35000"/>
-                  </a:prstClr>
-                </a:solidFill>
-              </a:rPr>
-              <a:t>컨텐츠에 대한 내용을 적어요</a:t>
-            </a:r>
-            <a:endParaRPr lang="en-US" altLang="ko-KR" sz="1400" dirty="0">
-              <a:solidFill>
-                <a:prstClr val="black">
-                  <a:lumMod val="65000"/>
-                  <a:lumOff val="35000"/>
-                </a:prstClr>
-              </a:solidFill>
-            </a:endParaRPr>
-          </a:p>
-          <a:p>
-            <a:pPr algn="ctr">
-              <a:lnSpc>
-                <a:spcPct val="150000"/>
-              </a:lnSpc>
-              <a:defRPr/>
-            </a:pPr>
-            <a:r>
-              <a:rPr lang="ko-KR" altLang="en-US" sz="1000" dirty="0">
-                <a:solidFill>
-                  <a:prstClr val="black">
-                    <a:lumMod val="65000"/>
-                    <a:lumOff val="35000"/>
-                  </a:prstClr>
-                </a:solidFill>
-              </a:rPr>
-              <a:t>Enjoy your stylish business and campus life with BIZCAM </a:t>
-            </a:r>
-          </a:p>
-        </p:txBody>
-      </p:sp>
-    </p:spTree>
-    <p:extLst>
-      <p:ext uri="{BB962C8B-B14F-4D97-AF65-F5344CB8AC3E}">
-        <p14:creationId xmlns:p14="http://schemas.microsoft.com/office/powerpoint/2010/main" val="2674971444"/>
-      </p:ext>
-    </p:extLst>
-  </p:cSld>
-  <p:clrMapOvr>
-    <a:masterClrMapping/>
-  </p:clrMapOvr>
-  <p:transition spd="slow">
-    <p:push dir="u"/>
-  </p:transition>
-  <p:timing>
-    <p:tnLst>
-      <p:par>
-        <p:cTn id="1" dur="indefinite" restart="never" nodeType="tmRoot"/>
-      </p:par>
-    </p:tnLst>
-  </p:timing>
-</p:sld>
-</file>
-
-<file path=ppt/slides/slide11.xml><?xml version="1.0" encoding="utf-8"?>
-<p:sld xmlns:a="http://schemas.openxmlformats.org/drawingml/2006/main" xmlns:r="http://schemas.openxmlformats.org/officeDocument/2006/relationships" xmlns:p="http://schemas.openxmlformats.org/presentationml/2006/main">
-  <p:cSld>
-    <p:bg>
-      <p:bgPr>
-        <a:solidFill>
-          <a:schemeClr val="accent5">
-            <a:lumMod val="20000"/>
-            <a:lumOff val="80000"/>
-          </a:schemeClr>
-        </a:solidFill>
-        <a:effectLst/>
-      </p:bgPr>
-    </p:bg>
-    <p:spTree>
-      <p:nvGrpSpPr>
-        <p:cNvPr id="1" name=""/>
-        <p:cNvGrpSpPr/>
-        <p:nvPr/>
-      </p:nvGrpSpPr>
-      <p:grpSpPr>
-        <a:xfrm>
-          <a:off x="0" y="0"/>
-          <a:ext cx="0" cy="0"/>
-          <a:chOff x="0" y="0"/>
-          <a:chExt cx="0" cy="0"/>
-        </a:xfrm>
-      </p:grpSpPr>
       <p:grpSp>
         <p:nvGrpSpPr>
           <p:cNvPr id="52" name="그룹 51">
@@ -6762,7 +5787,7 @@
                 <a:defRPr/>
               </a:pPr>
               <a:r>
-                <a:rPr lang="en-US" altLang="ko-KR" sz="2400" i="1" kern="0" dirty="0">
+                <a:rPr lang="en-US" altLang="ko-KR" sz="2400" i="1" kern="0" dirty="0" smtClean="0">
                   <a:ln w="9525">
                     <a:noFill/>
                   </a:ln>
@@ -6774,22 +5799,7 @@
                   <a:latin typeface="Tmon몬소리 Black" panose="02000A03000000000000" pitchFamily="2" charset="-127"/>
                   <a:ea typeface="Tmon몬소리 Black" panose="02000A03000000000000" pitchFamily="2" charset="-127"/>
                 </a:rPr>
-                <a:t>PPT PRESENTATION </a:t>
-              </a:r>
-            </a:p>
-            <a:p>
-              <a:pPr algn="ctr">
-                <a:defRPr/>
-              </a:pPr>
-              <a:r>
-                <a:rPr lang="en-US" altLang="ko-KR" sz="700" kern="0" dirty="0">
-                  <a:solidFill>
-                    <a:prstClr val="white">
-                      <a:lumMod val="75000"/>
-                    </a:prstClr>
-                  </a:solidFill>
-                </a:rPr>
-                <a:t>Enjoy your stylish business and campus life with BIZCAM</a:t>
+                <a:t>REUSE</a:t>
               </a:r>
               <a:endParaRPr lang="ko-KR" altLang="en-US" sz="1050" dirty="0">
                 <a:solidFill>
@@ -15934,7 +14944,7 @@
 </p:sld>
 </file>
 
-<file path=ppt/slides/slide12.xml><?xml version="1.0" encoding="utf-8"?>
+<file path=ppt/slides/slide11.xml><?xml version="1.0" encoding="utf-8"?>
 <p:sld xmlns:a="http://schemas.openxmlformats.org/drawingml/2006/main" xmlns:r="http://schemas.openxmlformats.org/officeDocument/2006/relationships" xmlns:p="http://schemas.openxmlformats.org/presentationml/2006/main">
   <p:cSld>
     <p:spTree>
@@ -16740,7 +15750,7 @@
 </p:sld>
 </file>
 
-<file path=ppt/slides/slide13.xml><?xml version="1.0" encoding="utf-8"?>
+<file path=ppt/slides/slide12.xml><?xml version="1.0" encoding="utf-8"?>
 <p:sld xmlns:a="http://schemas.openxmlformats.org/drawingml/2006/main" xmlns:r="http://schemas.openxmlformats.org/officeDocument/2006/relationships" xmlns:p="http://schemas.openxmlformats.org/presentationml/2006/main">
   <p:cSld>
     <p:spTree>
@@ -17342,7 +16352,7 @@
 </p:sld>
 </file>
 
-<file path=ppt/slides/slide14.xml><?xml version="1.0" encoding="utf-8"?>
+<file path=ppt/slides/slide13.xml><?xml version="1.0" encoding="utf-8"?>
 <p:sld xmlns:a="http://schemas.openxmlformats.org/drawingml/2006/main" xmlns:r="http://schemas.openxmlformats.org/officeDocument/2006/relationships" xmlns:p="http://schemas.openxmlformats.org/presentationml/2006/main">
   <p:cSld>
     <p:spTree>
@@ -17974,7 +16984,7 @@
 </p:sld>
 </file>
 
-<file path=ppt/slides/slide15.xml><?xml version="1.0" encoding="utf-8"?>
+<file path=ppt/slides/slide14.xml><?xml version="1.0" encoding="utf-8"?>
 <p:sld xmlns:a="http://schemas.openxmlformats.org/drawingml/2006/main" xmlns:r="http://schemas.openxmlformats.org/officeDocument/2006/relationships" xmlns:p="http://schemas.openxmlformats.org/presentationml/2006/main">
   <p:cSld>
     <p:spTree>
@@ -20587,1344 +19597,6 @@
           </a:xfrm>
           <a:prstGeom prst="round2SameRect">
             <a:avLst>
-              <a:gd name="adj1" fmla="val 0"/>
-              <a:gd name="adj2" fmla="val 4233"/>
-            </a:avLst>
-          </a:prstGeom>
-          <a:gradFill>
-            <a:gsLst>
-              <a:gs pos="11000">
-                <a:schemeClr val="accent1">
-                  <a:lumMod val="50000"/>
-                </a:schemeClr>
-              </a:gs>
-              <a:gs pos="11000">
-                <a:schemeClr val="bg1"/>
-              </a:gs>
-            </a:gsLst>
-            <a:lin ang="5400000" scaled="1"/>
-          </a:gradFill>
-          <a:ln w="82550">
-            <a:solidFill>
-              <a:schemeClr val="accent1">
-                <a:lumMod val="50000"/>
-              </a:schemeClr>
-            </a:solidFill>
-            <a:round/>
-          </a:ln>
-          <a:effectLst>
-            <a:innerShdw dist="165100" dir="5400000">
-              <a:schemeClr val="accent1">
-                <a:lumMod val="50000"/>
-                <a:alpha val="30000"/>
-              </a:schemeClr>
-            </a:innerShdw>
-          </a:effectLst>
-        </p:spPr>
-        <p:style>
-          <a:lnRef idx="2">
-            <a:schemeClr val="accent1">
-              <a:shade val="15000"/>
-            </a:schemeClr>
-          </a:lnRef>
-          <a:fillRef idx="1">
-            <a:schemeClr val="accent1"/>
-          </a:fillRef>
-          <a:effectRef idx="0">
-            <a:schemeClr val="accent1"/>
-          </a:effectRef>
-          <a:fontRef idx="minor">
-            <a:schemeClr val="lt1"/>
-          </a:fontRef>
-        </p:style>
-        <p:txBody>
-          <a:bodyPr wrap="square" tIns="144000" rtlCol="0" anchor="t">
-            <a:noAutofit/>
-          </a:bodyPr>
-          <a:lstStyle/>
-          <a:p>
-            <a:pPr algn="ctr">
-              <a:defRPr/>
-            </a:pPr>
-            <a:r>
-              <a:rPr lang="en-US" altLang="ko-KR" sz="2400" i="1" kern="0" dirty="0">
-                <a:ln w="9525">
-                  <a:noFill/>
-                </a:ln>
-                <a:solidFill>
-                  <a:prstClr val="white"/>
-                </a:solidFill>
-                <a:latin typeface="Tmon몬소리 Black" panose="02000A03000000000000" pitchFamily="2" charset="-127"/>
-                <a:ea typeface="Tmon몬소리 Black" panose="02000A03000000000000" pitchFamily="2" charset="-127"/>
-              </a:rPr>
-              <a:t>PPT PRESENTATION </a:t>
-            </a:r>
-          </a:p>
-          <a:p>
-            <a:pPr algn="ctr">
-              <a:defRPr/>
-            </a:pPr>
-            <a:r>
-              <a:rPr lang="en-US" altLang="ko-KR" sz="700" kern="0" dirty="0">
-                <a:solidFill>
-                  <a:prstClr val="white"/>
-                </a:solidFill>
-              </a:rPr>
-              <a:t>Enjoy your stylish business and campus life with BIZCAM</a:t>
-            </a:r>
-            <a:endParaRPr lang="ko-KR" altLang="en-US" sz="1050" dirty="0">
-              <a:solidFill>
-                <a:prstClr val="white"/>
-              </a:solidFill>
-            </a:endParaRPr>
-          </a:p>
-        </p:txBody>
-      </p:sp>
-      <p:grpSp>
-        <p:nvGrpSpPr>
-          <p:cNvPr id="15" name="그룹 14">
-            <a:extLst>
-              <a:ext uri="{FF2B5EF4-FFF2-40B4-BE49-F238E27FC236}">
-                <a16:creationId xmlns:a16="http://schemas.microsoft.com/office/drawing/2014/main" id="{5CD4759D-FC55-2F92-AEF6-4EFA003CA396}"/>
-              </a:ext>
-            </a:extLst>
-          </p:cNvPr>
-          <p:cNvGrpSpPr/>
-          <p:nvPr/>
-        </p:nvGrpSpPr>
-        <p:grpSpPr>
-          <a:xfrm>
-            <a:off x="376827" y="279762"/>
-            <a:ext cx="2700000" cy="205740"/>
-            <a:chOff x="376827" y="279762"/>
-            <a:chExt cx="2700000" cy="205740"/>
-          </a:xfrm>
-        </p:grpSpPr>
-        <p:cxnSp>
-          <p:nvCxnSpPr>
-            <p:cNvPr id="9" name="직선 연결선 8">
-              <a:extLst>
-                <a:ext uri="{FF2B5EF4-FFF2-40B4-BE49-F238E27FC236}">
-                  <a16:creationId xmlns:a16="http://schemas.microsoft.com/office/drawing/2014/main" id="{851A6963-1BC3-4BE0-DDF6-E0850278AA56}"/>
-                </a:ext>
-              </a:extLst>
-            </p:cNvPr>
-            <p:cNvCxnSpPr>
-              <a:cxnSpLocks/>
-            </p:cNvCxnSpPr>
-            <p:nvPr/>
-          </p:nvCxnSpPr>
-          <p:spPr>
-            <a:xfrm>
-              <a:off x="376827" y="279762"/>
-              <a:ext cx="2088000" cy="0"/>
-            </a:xfrm>
-            <a:prstGeom prst="line">
-              <a:avLst/>
-            </a:prstGeom>
-            <a:ln w="22225">
-              <a:solidFill>
-                <a:schemeClr val="bg1"/>
-              </a:solidFill>
-            </a:ln>
-          </p:spPr>
-          <p:style>
-            <a:lnRef idx="1">
-              <a:schemeClr val="accent1"/>
-            </a:lnRef>
-            <a:fillRef idx="0">
-              <a:schemeClr val="accent1"/>
-            </a:fillRef>
-            <a:effectRef idx="0">
-              <a:schemeClr val="accent1"/>
-            </a:effectRef>
-            <a:fontRef idx="minor">
-              <a:schemeClr val="tx1"/>
-            </a:fontRef>
-          </p:style>
-        </p:cxnSp>
-        <p:cxnSp>
-          <p:nvCxnSpPr>
-            <p:cNvPr id="10" name="직선 연결선 9">
-              <a:extLst>
-                <a:ext uri="{FF2B5EF4-FFF2-40B4-BE49-F238E27FC236}">
-                  <a16:creationId xmlns:a16="http://schemas.microsoft.com/office/drawing/2014/main" id="{A34DD91B-7CBB-C9E4-ECBE-31DEECC645BB}"/>
-                </a:ext>
-              </a:extLst>
-            </p:cNvPr>
-            <p:cNvCxnSpPr>
-              <a:cxnSpLocks/>
-            </p:cNvCxnSpPr>
-            <p:nvPr/>
-          </p:nvCxnSpPr>
-          <p:spPr>
-            <a:xfrm>
-              <a:off x="376827" y="386442"/>
-              <a:ext cx="2700000" cy="0"/>
-            </a:xfrm>
-            <a:prstGeom prst="line">
-              <a:avLst/>
-            </a:prstGeom>
-            <a:ln w="22225">
-              <a:solidFill>
-                <a:schemeClr val="bg1"/>
-              </a:solidFill>
-            </a:ln>
-          </p:spPr>
-          <p:style>
-            <a:lnRef idx="1">
-              <a:schemeClr val="accent1"/>
-            </a:lnRef>
-            <a:fillRef idx="0">
-              <a:schemeClr val="accent1"/>
-            </a:fillRef>
-            <a:effectRef idx="0">
-              <a:schemeClr val="accent1"/>
-            </a:effectRef>
-            <a:fontRef idx="minor">
-              <a:schemeClr val="tx1"/>
-            </a:fontRef>
-          </p:style>
-        </p:cxnSp>
-        <p:cxnSp>
-          <p:nvCxnSpPr>
-            <p:cNvPr id="11" name="직선 연결선 10">
-              <a:extLst>
-                <a:ext uri="{FF2B5EF4-FFF2-40B4-BE49-F238E27FC236}">
-                  <a16:creationId xmlns:a16="http://schemas.microsoft.com/office/drawing/2014/main" id="{4AFB0FE2-B317-F729-D044-255108A19FC7}"/>
-                </a:ext>
-              </a:extLst>
-            </p:cNvPr>
-            <p:cNvCxnSpPr>
-              <a:cxnSpLocks/>
-            </p:cNvCxnSpPr>
-            <p:nvPr/>
-          </p:nvCxnSpPr>
-          <p:spPr>
-            <a:xfrm>
-              <a:off x="376827" y="485502"/>
-              <a:ext cx="1404000" cy="0"/>
-            </a:xfrm>
-            <a:prstGeom prst="line">
-              <a:avLst/>
-            </a:prstGeom>
-            <a:ln w="22225">
-              <a:solidFill>
-                <a:schemeClr val="bg1"/>
-              </a:solidFill>
-            </a:ln>
-          </p:spPr>
-          <p:style>
-            <a:lnRef idx="1">
-              <a:schemeClr val="accent1"/>
-            </a:lnRef>
-            <a:fillRef idx="0">
-              <a:schemeClr val="accent1"/>
-            </a:fillRef>
-            <a:effectRef idx="0">
-              <a:schemeClr val="accent1"/>
-            </a:effectRef>
-            <a:fontRef idx="minor">
-              <a:schemeClr val="tx1"/>
-            </a:fontRef>
-          </p:style>
-        </p:cxnSp>
-      </p:grpSp>
-      <p:cxnSp>
-        <p:nvCxnSpPr>
-          <p:cNvPr id="2" name="직선 연결선 1">
-            <a:extLst>
-              <a:ext uri="{FF2B5EF4-FFF2-40B4-BE49-F238E27FC236}">
-                <a16:creationId xmlns:a16="http://schemas.microsoft.com/office/drawing/2014/main" id="{860BD788-A29A-92F5-BDA1-929C7A61A9AC}"/>
-              </a:ext>
-            </a:extLst>
-          </p:cNvPr>
-          <p:cNvCxnSpPr/>
-          <p:nvPr/>
-        </p:nvCxnSpPr>
-        <p:spPr>
-          <a:xfrm rot="16200000" flipV="1">
-            <a:off x="6325349" y="535053"/>
-            <a:ext cx="0" cy="9000000"/>
-          </a:xfrm>
-          <a:prstGeom prst="line">
-            <a:avLst/>
-          </a:prstGeom>
-          <a:ln w="19050">
-            <a:solidFill>
-              <a:schemeClr val="tx1">
-                <a:lumMod val="75000"/>
-                <a:lumOff val="25000"/>
-              </a:schemeClr>
-            </a:solidFill>
-            <a:prstDash val="solid"/>
-          </a:ln>
-        </p:spPr>
-        <p:style>
-          <a:lnRef idx="1">
-            <a:schemeClr val="accent1"/>
-          </a:lnRef>
-          <a:fillRef idx="0">
-            <a:schemeClr val="accent1"/>
-          </a:fillRef>
-          <a:effectRef idx="0">
-            <a:schemeClr val="accent1"/>
-          </a:effectRef>
-          <a:fontRef idx="minor">
-            <a:schemeClr val="tx1"/>
-          </a:fontRef>
-        </p:style>
-      </p:cxnSp>
-      <p:sp>
-        <p:nvSpPr>
-          <p:cNvPr id="4" name="양쪽 모서리가 둥근 사각형 1">
-            <a:extLst>
-              <a:ext uri="{FF2B5EF4-FFF2-40B4-BE49-F238E27FC236}">
-                <a16:creationId xmlns:a16="http://schemas.microsoft.com/office/drawing/2014/main" id="{BD938630-41E8-7820-AB44-61AF75B62D16}"/>
-              </a:ext>
-            </a:extLst>
-          </p:cNvPr>
-          <p:cNvSpPr/>
-          <p:nvPr/>
-        </p:nvSpPr>
-        <p:spPr>
-          <a:xfrm>
-            <a:off x="3076827" y="1593850"/>
-            <a:ext cx="1117600" cy="3441202"/>
-          </a:xfrm>
-          <a:prstGeom prst="round2SameRect">
-            <a:avLst>
-              <a:gd name="adj1" fmla="val 5758"/>
-              <a:gd name="adj2" fmla="val 0"/>
-            </a:avLst>
-          </a:prstGeom>
-          <a:solidFill>
-            <a:schemeClr val="bg1">
-              <a:lumMod val="95000"/>
-            </a:schemeClr>
-          </a:solidFill>
-          <a:ln>
-            <a:noFill/>
-          </a:ln>
-        </p:spPr>
-        <p:style>
-          <a:lnRef idx="2">
-            <a:schemeClr val="accent1">
-              <a:shade val="50000"/>
-            </a:schemeClr>
-          </a:lnRef>
-          <a:fillRef idx="1">
-            <a:schemeClr val="accent1"/>
-          </a:fillRef>
-          <a:effectRef idx="0">
-            <a:schemeClr val="accent1"/>
-          </a:effectRef>
-          <a:fontRef idx="minor">
-            <a:schemeClr val="lt1"/>
-          </a:fontRef>
-        </p:style>
-        <p:txBody>
-          <a:bodyPr rtlCol="0" anchor="ctr"/>
-          <a:lstStyle/>
-          <a:p>
-            <a:pPr algn="ctr">
-              <a:defRPr/>
-            </a:pPr>
-            <a:endParaRPr lang="ko-KR" altLang="en-US">
-              <a:solidFill>
-                <a:prstClr val="white"/>
-              </a:solidFill>
-            </a:endParaRPr>
-          </a:p>
-        </p:txBody>
-      </p:sp>
-      <p:sp>
-        <p:nvSpPr>
-          <p:cNvPr id="5" name="양쪽 모서리가 둥근 사각형 6">
-            <a:extLst>
-              <a:ext uri="{FF2B5EF4-FFF2-40B4-BE49-F238E27FC236}">
-                <a16:creationId xmlns:a16="http://schemas.microsoft.com/office/drawing/2014/main" id="{F6D4ABC7-0D84-C5E1-ED74-2909B37FB0F0}"/>
-              </a:ext>
-            </a:extLst>
-          </p:cNvPr>
-          <p:cNvSpPr/>
-          <p:nvPr/>
-        </p:nvSpPr>
-        <p:spPr>
-          <a:xfrm>
-            <a:off x="3096254" y="3701748"/>
-            <a:ext cx="1117600" cy="1330325"/>
-          </a:xfrm>
-          <a:prstGeom prst="round2SameRect">
-            <a:avLst>
-              <a:gd name="adj1" fmla="val 9031"/>
-              <a:gd name="adj2" fmla="val 0"/>
-            </a:avLst>
-          </a:prstGeom>
-          <a:solidFill>
-            <a:schemeClr val="accent1"/>
-          </a:solidFill>
-          <a:ln w="19050">
-            <a:solidFill>
-              <a:schemeClr val="tx1">
-                <a:lumMod val="75000"/>
-                <a:lumOff val="25000"/>
-              </a:schemeClr>
-            </a:solidFill>
-          </a:ln>
-          <a:scene3d>
-            <a:camera prst="orthographicFront"/>
-            <a:lightRig rig="threePt" dir="t"/>
-          </a:scene3d>
-          <a:sp3d prstMaterial="matte"/>
-        </p:spPr>
-        <p:style>
-          <a:lnRef idx="2">
-            <a:schemeClr val="accent1">
-              <a:shade val="50000"/>
-            </a:schemeClr>
-          </a:lnRef>
-          <a:fillRef idx="1">
-            <a:schemeClr val="accent1"/>
-          </a:fillRef>
-          <a:effectRef idx="0">
-            <a:schemeClr val="accent1"/>
-          </a:effectRef>
-          <a:fontRef idx="minor">
-            <a:schemeClr val="lt1"/>
-          </a:fontRef>
-        </p:style>
-        <p:txBody>
-          <a:bodyPr rtlCol="0" anchor="ctr"/>
-          <a:lstStyle/>
-          <a:p>
-            <a:pPr algn="ctr">
-              <a:defRPr/>
-            </a:pPr>
-            <a:endParaRPr lang="ko-KR" altLang="en-US">
-              <a:solidFill>
-                <a:prstClr val="white"/>
-              </a:solidFill>
-            </a:endParaRPr>
-          </a:p>
-        </p:txBody>
-      </p:sp>
-      <p:sp>
-        <p:nvSpPr>
-          <p:cNvPr id="6" name="모서리가 둥근 사각형 설명선 7">
-            <a:extLst>
-              <a:ext uri="{FF2B5EF4-FFF2-40B4-BE49-F238E27FC236}">
-                <a16:creationId xmlns:a16="http://schemas.microsoft.com/office/drawing/2014/main" id="{C6195DFF-17C8-0D12-2F22-7D672425FA9C}"/>
-              </a:ext>
-            </a:extLst>
-          </p:cNvPr>
-          <p:cNvSpPr/>
-          <p:nvPr/>
-        </p:nvSpPr>
-        <p:spPr>
-          <a:xfrm>
-            <a:off x="4499981" y="3414713"/>
-            <a:ext cx="526825" cy="304232"/>
-          </a:xfrm>
-          <a:prstGeom prst="wedgeRoundRectCallout">
-            <a:avLst>
-              <a:gd name="adj1" fmla="val -68244"/>
-              <a:gd name="adj2" fmla="val 52868"/>
-              <a:gd name="adj3" fmla="val 16667"/>
-            </a:avLst>
-          </a:prstGeom>
-          <a:solidFill>
-            <a:schemeClr val="accent1"/>
-          </a:solidFill>
-          <a:ln w="19050">
-            <a:solidFill>
-              <a:schemeClr val="tx1">
-                <a:lumMod val="75000"/>
-                <a:lumOff val="25000"/>
-              </a:schemeClr>
-            </a:solidFill>
-          </a:ln>
-          <a:scene3d>
-            <a:camera prst="orthographicFront"/>
-            <a:lightRig rig="threePt" dir="t"/>
-          </a:scene3d>
-          <a:sp3d prstMaterial="matte"/>
-        </p:spPr>
-        <p:style>
-          <a:lnRef idx="2">
-            <a:schemeClr val="accent1">
-              <a:shade val="50000"/>
-            </a:schemeClr>
-          </a:lnRef>
-          <a:fillRef idx="1">
-            <a:schemeClr val="accent1"/>
-          </a:fillRef>
-          <a:effectRef idx="0">
-            <a:schemeClr val="accent1"/>
-          </a:effectRef>
-          <a:fontRef idx="minor">
-            <a:schemeClr val="lt1"/>
-          </a:fontRef>
-        </p:style>
-        <p:txBody>
-          <a:bodyPr rtlCol="0" anchor="ctr"/>
-          <a:lstStyle/>
-          <a:p>
-            <a:pPr algn="ctr">
-              <a:defRPr/>
-            </a:pPr>
-            <a:r>
-              <a:rPr lang="en-US" altLang="ko-KR" sz="1200" b="1" dirty="0">
-                <a:solidFill>
-                  <a:prstClr val="white"/>
-                </a:solidFill>
-              </a:rPr>
-              <a:t>40%</a:t>
-            </a:r>
-            <a:endParaRPr lang="ko-KR" altLang="en-US" sz="1200" b="1" dirty="0">
-              <a:solidFill>
-                <a:prstClr val="white"/>
-              </a:solidFill>
-            </a:endParaRPr>
-          </a:p>
-        </p:txBody>
-      </p:sp>
-      <p:cxnSp>
-        <p:nvCxnSpPr>
-          <p:cNvPr id="7" name="직선 연결선 6">
-            <a:extLst>
-              <a:ext uri="{FF2B5EF4-FFF2-40B4-BE49-F238E27FC236}">
-                <a16:creationId xmlns:a16="http://schemas.microsoft.com/office/drawing/2014/main" id="{171EA8D0-E935-C815-9ADD-A3DE00A3A415}"/>
-              </a:ext>
-            </a:extLst>
-          </p:cNvPr>
-          <p:cNvCxnSpPr/>
-          <p:nvPr/>
-        </p:nvCxnSpPr>
-        <p:spPr>
-          <a:xfrm rot="16200000" flipV="1">
-            <a:off x="3599464" y="1283546"/>
-            <a:ext cx="0" cy="2052000"/>
-          </a:xfrm>
-          <a:prstGeom prst="line">
-            <a:avLst/>
-          </a:prstGeom>
-          <a:ln w="19050">
-            <a:solidFill>
-              <a:schemeClr val="tx1">
-                <a:lumMod val="75000"/>
-                <a:lumOff val="25000"/>
-              </a:schemeClr>
-            </a:solidFill>
-            <a:prstDash val="sysDash"/>
-          </a:ln>
-        </p:spPr>
-        <p:style>
-          <a:lnRef idx="1">
-            <a:schemeClr val="accent1"/>
-          </a:lnRef>
-          <a:fillRef idx="0">
-            <a:schemeClr val="accent1"/>
-          </a:fillRef>
-          <a:effectRef idx="0">
-            <a:schemeClr val="accent1"/>
-          </a:effectRef>
-          <a:fontRef idx="minor">
-            <a:schemeClr val="tx1"/>
-          </a:fontRef>
-        </p:style>
-      </p:cxnSp>
-      <p:sp>
-        <p:nvSpPr>
-          <p:cNvPr id="8" name="직사각형 7">
-            <a:extLst>
-              <a:ext uri="{FF2B5EF4-FFF2-40B4-BE49-F238E27FC236}">
-                <a16:creationId xmlns:a16="http://schemas.microsoft.com/office/drawing/2014/main" id="{78DAD701-D73E-2DF0-108A-68F5A0DBF692}"/>
-              </a:ext>
-            </a:extLst>
-          </p:cNvPr>
-          <p:cNvSpPr/>
-          <p:nvPr/>
-        </p:nvSpPr>
-        <p:spPr>
-          <a:xfrm>
-            <a:off x="1275912" y="2101796"/>
-            <a:ext cx="1127232" cy="373885"/>
-          </a:xfrm>
-          <a:prstGeom prst="rect">
-            <a:avLst/>
-          </a:prstGeom>
-        </p:spPr>
-        <p:txBody>
-          <a:bodyPr wrap="none">
-            <a:spAutoFit/>
-          </a:bodyPr>
-          <a:lstStyle/>
-          <a:p>
-            <a:pPr algn="ctr">
-              <a:lnSpc>
-                <a:spcPct val="150000"/>
-              </a:lnSpc>
-              <a:defRPr/>
-            </a:pPr>
-            <a:r>
-              <a:rPr lang="en-US" altLang="ko-KR" sz="1400" b="1" dirty="0">
-                <a:solidFill>
-                  <a:prstClr val="black">
-                    <a:lumMod val="75000"/>
-                    <a:lumOff val="25000"/>
-                  </a:prstClr>
-                </a:solidFill>
-              </a:rPr>
-              <a:t>2023</a:t>
-            </a:r>
-            <a:r>
-              <a:rPr lang="ko-KR" altLang="en-US" sz="1400" b="1" dirty="0">
-                <a:solidFill>
-                  <a:prstClr val="black">
-                    <a:lumMod val="75000"/>
-                    <a:lumOff val="25000"/>
-                  </a:prstClr>
-                </a:solidFill>
-              </a:rPr>
-              <a:t>년 </a:t>
-            </a:r>
-            <a:r>
-              <a:rPr lang="en-US" altLang="ko-KR" sz="1400" b="1" dirty="0">
-                <a:solidFill>
-                  <a:prstClr val="black">
-                    <a:lumMod val="75000"/>
-                    <a:lumOff val="25000"/>
-                  </a:prstClr>
-                </a:solidFill>
-              </a:rPr>
-              <a:t>1</a:t>
-            </a:r>
-            <a:r>
-              <a:rPr lang="ko-KR" altLang="en-US" sz="1400" b="1" dirty="0">
-                <a:solidFill>
-                  <a:prstClr val="black">
-                    <a:lumMod val="75000"/>
-                    <a:lumOff val="25000"/>
-                  </a:prstClr>
-                </a:solidFill>
-              </a:rPr>
-              <a:t>월</a:t>
-            </a:r>
-            <a:endParaRPr lang="en-US" altLang="ko-KR" sz="1400" b="1" dirty="0">
-              <a:solidFill>
-                <a:prstClr val="black">
-                  <a:lumMod val="75000"/>
-                  <a:lumOff val="25000"/>
-                </a:prstClr>
-              </a:solidFill>
-            </a:endParaRPr>
-          </a:p>
-        </p:txBody>
-      </p:sp>
-      <p:sp>
-        <p:nvSpPr>
-          <p:cNvPr id="12" name="직사각형 11">
-            <a:extLst>
-              <a:ext uri="{FF2B5EF4-FFF2-40B4-BE49-F238E27FC236}">
-                <a16:creationId xmlns:a16="http://schemas.microsoft.com/office/drawing/2014/main" id="{5D9D96B6-34DE-1F90-7A22-016A0AF49C97}"/>
-              </a:ext>
-            </a:extLst>
-          </p:cNvPr>
-          <p:cNvSpPr/>
-          <p:nvPr/>
-        </p:nvSpPr>
-        <p:spPr>
-          <a:xfrm>
-            <a:off x="4797646" y="2101796"/>
-            <a:ext cx="550151" cy="373885"/>
-          </a:xfrm>
-          <a:prstGeom prst="rect">
-            <a:avLst/>
-          </a:prstGeom>
-        </p:spPr>
-        <p:txBody>
-          <a:bodyPr wrap="none">
-            <a:spAutoFit/>
-          </a:bodyPr>
-          <a:lstStyle/>
-          <a:p>
-            <a:pPr algn="ctr">
-              <a:lnSpc>
-                <a:spcPct val="150000"/>
-              </a:lnSpc>
-              <a:defRPr/>
-            </a:pPr>
-            <a:r>
-              <a:rPr lang="en-US" altLang="ko-KR" sz="1400" b="1" dirty="0">
-                <a:solidFill>
-                  <a:prstClr val="black">
-                    <a:lumMod val="75000"/>
-                    <a:lumOff val="25000"/>
-                  </a:prstClr>
-                </a:solidFill>
-              </a:rPr>
-              <a:t>80%</a:t>
-            </a:r>
-          </a:p>
-        </p:txBody>
-      </p:sp>
-      <p:sp>
-        <p:nvSpPr>
-          <p:cNvPr id="13" name="양쪽 모서리가 둥근 사각형 13">
-            <a:extLst>
-              <a:ext uri="{FF2B5EF4-FFF2-40B4-BE49-F238E27FC236}">
-                <a16:creationId xmlns:a16="http://schemas.microsoft.com/office/drawing/2014/main" id="{65D08C03-B5E4-0DBB-045D-8FDF84BBCF81}"/>
-              </a:ext>
-            </a:extLst>
-          </p:cNvPr>
-          <p:cNvSpPr/>
-          <p:nvPr/>
-        </p:nvSpPr>
-        <p:spPr>
-          <a:xfrm>
-            <a:off x="8103984" y="1593850"/>
-            <a:ext cx="1117600" cy="3441202"/>
-          </a:xfrm>
-          <a:prstGeom prst="round2SameRect">
-            <a:avLst>
-              <a:gd name="adj1" fmla="val 5758"/>
-              <a:gd name="adj2" fmla="val 0"/>
-            </a:avLst>
-          </a:prstGeom>
-          <a:solidFill>
-            <a:schemeClr val="bg1">
-              <a:lumMod val="95000"/>
-            </a:schemeClr>
-          </a:solidFill>
-          <a:ln>
-            <a:noFill/>
-          </a:ln>
-        </p:spPr>
-        <p:style>
-          <a:lnRef idx="2">
-            <a:schemeClr val="accent1">
-              <a:shade val="50000"/>
-            </a:schemeClr>
-          </a:lnRef>
-          <a:fillRef idx="1">
-            <a:schemeClr val="accent1"/>
-          </a:fillRef>
-          <a:effectRef idx="0">
-            <a:schemeClr val="accent1"/>
-          </a:effectRef>
-          <a:fontRef idx="minor">
-            <a:schemeClr val="lt1"/>
-          </a:fontRef>
-        </p:style>
-        <p:txBody>
-          <a:bodyPr rtlCol="0" anchor="ctr"/>
-          <a:lstStyle/>
-          <a:p>
-            <a:pPr algn="ctr">
-              <a:defRPr/>
-            </a:pPr>
-            <a:endParaRPr lang="ko-KR" altLang="en-US">
-              <a:solidFill>
-                <a:prstClr val="white"/>
-              </a:solidFill>
-            </a:endParaRPr>
-          </a:p>
-        </p:txBody>
-      </p:sp>
-      <p:sp>
-        <p:nvSpPr>
-          <p:cNvPr id="14" name="양쪽 모서리가 둥근 사각형 14">
-            <a:extLst>
-              <a:ext uri="{FF2B5EF4-FFF2-40B4-BE49-F238E27FC236}">
-                <a16:creationId xmlns:a16="http://schemas.microsoft.com/office/drawing/2014/main" id="{2CEBA1E8-EBE9-99DA-C818-5F9DC97FC09E}"/>
-              </a:ext>
-            </a:extLst>
-          </p:cNvPr>
-          <p:cNvSpPr/>
-          <p:nvPr/>
-        </p:nvSpPr>
-        <p:spPr>
-          <a:xfrm>
-            <a:off x="8123411" y="2933700"/>
-            <a:ext cx="1117600" cy="2098373"/>
-          </a:xfrm>
-          <a:prstGeom prst="round2SameRect">
-            <a:avLst>
-              <a:gd name="adj1" fmla="val 9031"/>
-              <a:gd name="adj2" fmla="val 0"/>
-            </a:avLst>
-          </a:prstGeom>
-          <a:solidFill>
-            <a:srgbClr val="FF9900"/>
-          </a:solidFill>
-          <a:ln w="19050">
-            <a:solidFill>
-              <a:schemeClr val="tx1">
-                <a:lumMod val="75000"/>
-                <a:lumOff val="25000"/>
-              </a:schemeClr>
-            </a:solidFill>
-          </a:ln>
-          <a:scene3d>
-            <a:camera prst="orthographicFront"/>
-            <a:lightRig rig="threePt" dir="t"/>
-          </a:scene3d>
-          <a:sp3d prstMaterial="matte"/>
-        </p:spPr>
-        <p:style>
-          <a:lnRef idx="2">
-            <a:schemeClr val="accent1">
-              <a:shade val="50000"/>
-            </a:schemeClr>
-          </a:lnRef>
-          <a:fillRef idx="1">
-            <a:schemeClr val="accent1"/>
-          </a:fillRef>
-          <a:effectRef idx="0">
-            <a:schemeClr val="accent1"/>
-          </a:effectRef>
-          <a:fontRef idx="minor">
-            <a:schemeClr val="lt1"/>
-          </a:fontRef>
-        </p:style>
-        <p:txBody>
-          <a:bodyPr rtlCol="0" anchor="ctr"/>
-          <a:lstStyle/>
-          <a:p>
-            <a:pPr algn="ctr">
-              <a:defRPr/>
-            </a:pPr>
-            <a:endParaRPr lang="ko-KR" altLang="en-US">
-              <a:solidFill>
-                <a:prstClr val="white"/>
-              </a:solidFill>
-            </a:endParaRPr>
-          </a:p>
-        </p:txBody>
-      </p:sp>
-      <p:sp>
-        <p:nvSpPr>
-          <p:cNvPr id="16" name="모서리가 둥근 사각형 설명선 15">
-            <a:extLst>
-              <a:ext uri="{FF2B5EF4-FFF2-40B4-BE49-F238E27FC236}">
-                <a16:creationId xmlns:a16="http://schemas.microsoft.com/office/drawing/2014/main" id="{DF96126E-DA1B-AB31-5589-9FD4D7992DE2}"/>
-              </a:ext>
-            </a:extLst>
-          </p:cNvPr>
-          <p:cNvSpPr/>
-          <p:nvPr/>
-        </p:nvSpPr>
-        <p:spPr>
-          <a:xfrm>
-            <a:off x="9527138" y="2709863"/>
-            <a:ext cx="526825" cy="304232"/>
-          </a:xfrm>
-          <a:prstGeom prst="wedgeRoundRectCallout">
-            <a:avLst>
-              <a:gd name="adj1" fmla="val -68244"/>
-              <a:gd name="adj2" fmla="val 52868"/>
-              <a:gd name="adj3" fmla="val 16667"/>
-            </a:avLst>
-          </a:prstGeom>
-          <a:solidFill>
-            <a:srgbClr val="FF9900"/>
-          </a:solidFill>
-          <a:ln w="19050">
-            <a:solidFill>
-              <a:schemeClr val="tx1">
-                <a:lumMod val="75000"/>
-                <a:lumOff val="25000"/>
-              </a:schemeClr>
-            </a:solidFill>
-          </a:ln>
-          <a:scene3d>
-            <a:camera prst="orthographicFront"/>
-            <a:lightRig rig="threePt" dir="t"/>
-          </a:scene3d>
-          <a:sp3d prstMaterial="matte"/>
-        </p:spPr>
-        <p:style>
-          <a:lnRef idx="2">
-            <a:schemeClr val="accent1">
-              <a:shade val="50000"/>
-            </a:schemeClr>
-          </a:lnRef>
-          <a:fillRef idx="1">
-            <a:schemeClr val="accent1"/>
-          </a:fillRef>
-          <a:effectRef idx="0">
-            <a:schemeClr val="accent1"/>
-          </a:effectRef>
-          <a:fontRef idx="minor">
-            <a:schemeClr val="lt1"/>
-          </a:fontRef>
-        </p:style>
-        <p:txBody>
-          <a:bodyPr rtlCol="0" anchor="ctr"/>
-          <a:lstStyle/>
-          <a:p>
-            <a:pPr algn="ctr">
-              <a:defRPr/>
-            </a:pPr>
-            <a:r>
-              <a:rPr lang="en-US" altLang="ko-KR" sz="1200" b="1" dirty="0">
-                <a:solidFill>
-                  <a:prstClr val="black">
-                    <a:lumMod val="75000"/>
-                    <a:lumOff val="25000"/>
-                  </a:prstClr>
-                </a:solidFill>
-              </a:rPr>
-              <a:t>60%</a:t>
-            </a:r>
-            <a:endParaRPr lang="ko-KR" altLang="en-US" sz="1200" b="1" dirty="0">
-              <a:solidFill>
-                <a:prstClr val="black">
-                  <a:lumMod val="75000"/>
-                  <a:lumOff val="25000"/>
-                </a:prstClr>
-              </a:solidFill>
-            </a:endParaRPr>
-          </a:p>
-        </p:txBody>
-      </p:sp>
-      <p:cxnSp>
-        <p:nvCxnSpPr>
-          <p:cNvPr id="17" name="직선 연결선 16">
-            <a:extLst>
-              <a:ext uri="{FF2B5EF4-FFF2-40B4-BE49-F238E27FC236}">
-                <a16:creationId xmlns:a16="http://schemas.microsoft.com/office/drawing/2014/main" id="{8322751B-375A-AC2F-C645-A250293297D0}"/>
-              </a:ext>
-            </a:extLst>
-          </p:cNvPr>
-          <p:cNvCxnSpPr/>
-          <p:nvPr/>
-        </p:nvCxnSpPr>
-        <p:spPr>
-          <a:xfrm rot="16200000" flipV="1">
-            <a:off x="8626621" y="2759921"/>
-            <a:ext cx="0" cy="2052000"/>
-          </a:xfrm>
-          <a:prstGeom prst="line">
-            <a:avLst/>
-          </a:prstGeom>
-          <a:ln w="19050">
-            <a:solidFill>
-              <a:schemeClr val="tx1">
-                <a:lumMod val="75000"/>
-                <a:lumOff val="25000"/>
-              </a:schemeClr>
-            </a:solidFill>
-            <a:prstDash val="sysDash"/>
-          </a:ln>
-        </p:spPr>
-        <p:style>
-          <a:lnRef idx="1">
-            <a:schemeClr val="accent1"/>
-          </a:lnRef>
-          <a:fillRef idx="0">
-            <a:schemeClr val="accent1"/>
-          </a:fillRef>
-          <a:effectRef idx="0">
-            <a:schemeClr val="accent1"/>
-          </a:effectRef>
-          <a:fontRef idx="minor">
-            <a:schemeClr val="tx1"/>
-          </a:fontRef>
-        </p:style>
-      </p:cxnSp>
-      <p:sp>
-        <p:nvSpPr>
-          <p:cNvPr id="18" name="직사각형 17">
-            <a:extLst>
-              <a:ext uri="{FF2B5EF4-FFF2-40B4-BE49-F238E27FC236}">
-                <a16:creationId xmlns:a16="http://schemas.microsoft.com/office/drawing/2014/main" id="{409AF978-C29D-DFB8-6DE8-3F50FA07C0CC}"/>
-              </a:ext>
-            </a:extLst>
-          </p:cNvPr>
-          <p:cNvSpPr/>
-          <p:nvPr/>
-        </p:nvSpPr>
-        <p:spPr>
-          <a:xfrm>
-            <a:off x="6303069" y="3578171"/>
-            <a:ext cx="1127232" cy="373885"/>
-          </a:xfrm>
-          <a:prstGeom prst="rect">
-            <a:avLst/>
-          </a:prstGeom>
-        </p:spPr>
-        <p:txBody>
-          <a:bodyPr wrap="none">
-            <a:spAutoFit/>
-          </a:bodyPr>
-          <a:lstStyle/>
-          <a:p>
-            <a:pPr algn="ctr">
-              <a:lnSpc>
-                <a:spcPct val="150000"/>
-              </a:lnSpc>
-              <a:defRPr/>
-            </a:pPr>
-            <a:r>
-              <a:rPr lang="en-US" altLang="ko-KR" sz="1400" b="1" dirty="0">
-                <a:solidFill>
-                  <a:prstClr val="black">
-                    <a:lumMod val="75000"/>
-                    <a:lumOff val="25000"/>
-                  </a:prstClr>
-                </a:solidFill>
-              </a:rPr>
-              <a:t>2024</a:t>
-            </a:r>
-            <a:r>
-              <a:rPr lang="ko-KR" altLang="en-US" sz="1400" b="1" dirty="0">
-                <a:solidFill>
-                  <a:prstClr val="black">
-                    <a:lumMod val="75000"/>
-                    <a:lumOff val="25000"/>
-                  </a:prstClr>
-                </a:solidFill>
-              </a:rPr>
-              <a:t>년 </a:t>
-            </a:r>
-            <a:r>
-              <a:rPr lang="en-US" altLang="ko-KR" sz="1400" b="1" dirty="0">
-                <a:solidFill>
-                  <a:prstClr val="black">
-                    <a:lumMod val="75000"/>
-                    <a:lumOff val="25000"/>
-                  </a:prstClr>
-                </a:solidFill>
-              </a:rPr>
-              <a:t>1</a:t>
-            </a:r>
-            <a:r>
-              <a:rPr lang="ko-KR" altLang="en-US" sz="1400" b="1" dirty="0">
-                <a:solidFill>
-                  <a:prstClr val="black">
-                    <a:lumMod val="75000"/>
-                    <a:lumOff val="25000"/>
-                  </a:prstClr>
-                </a:solidFill>
-              </a:rPr>
-              <a:t>월</a:t>
-            </a:r>
-            <a:endParaRPr lang="en-US" altLang="ko-KR" sz="1400" b="1" dirty="0">
-              <a:solidFill>
-                <a:prstClr val="black">
-                  <a:lumMod val="75000"/>
-                  <a:lumOff val="25000"/>
-                </a:prstClr>
-              </a:solidFill>
-            </a:endParaRPr>
-          </a:p>
-        </p:txBody>
-      </p:sp>
-      <p:sp>
-        <p:nvSpPr>
-          <p:cNvPr id="19" name="직사각형 18">
-            <a:extLst>
-              <a:ext uri="{FF2B5EF4-FFF2-40B4-BE49-F238E27FC236}">
-                <a16:creationId xmlns:a16="http://schemas.microsoft.com/office/drawing/2014/main" id="{35152BE5-F34F-920D-03E3-D66E90828FA7}"/>
-              </a:ext>
-            </a:extLst>
-          </p:cNvPr>
-          <p:cNvSpPr/>
-          <p:nvPr/>
-        </p:nvSpPr>
-        <p:spPr>
-          <a:xfrm>
-            <a:off x="9824802" y="3578171"/>
-            <a:ext cx="550152" cy="415498"/>
-          </a:xfrm>
-          <a:prstGeom prst="rect">
-            <a:avLst/>
-          </a:prstGeom>
-        </p:spPr>
-        <p:txBody>
-          <a:bodyPr wrap="none">
-            <a:spAutoFit/>
-          </a:bodyPr>
-          <a:lstStyle/>
-          <a:p>
-            <a:pPr algn="ctr">
-              <a:lnSpc>
-                <a:spcPct val="150000"/>
-              </a:lnSpc>
-              <a:defRPr/>
-            </a:pPr>
-            <a:r>
-              <a:rPr lang="en-US" altLang="ko-KR" sz="1400" b="1" dirty="0">
-                <a:solidFill>
-                  <a:prstClr val="black">
-                    <a:lumMod val="75000"/>
-                    <a:lumOff val="25000"/>
-                  </a:prstClr>
-                </a:solidFill>
-              </a:rPr>
-              <a:t>40%</a:t>
-            </a:r>
-          </a:p>
-        </p:txBody>
-      </p:sp>
-      <p:sp>
-        <p:nvSpPr>
-          <p:cNvPr id="20" name="직사각형 19">
-            <a:extLst>
-              <a:ext uri="{FF2B5EF4-FFF2-40B4-BE49-F238E27FC236}">
-                <a16:creationId xmlns:a16="http://schemas.microsoft.com/office/drawing/2014/main" id="{AFD43FA8-E0A3-7F42-5A0C-1175B3EBC157}"/>
-              </a:ext>
-            </a:extLst>
-          </p:cNvPr>
-          <p:cNvSpPr/>
-          <p:nvPr/>
-        </p:nvSpPr>
-        <p:spPr>
-          <a:xfrm>
-            <a:off x="2606749" y="5283311"/>
-            <a:ext cx="1985429" cy="934871"/>
-          </a:xfrm>
-          <a:prstGeom prst="rect">
-            <a:avLst/>
-          </a:prstGeom>
-        </p:spPr>
-        <p:txBody>
-          <a:bodyPr wrap="square">
-            <a:spAutoFit/>
-          </a:bodyPr>
-          <a:lstStyle/>
-          <a:p>
-            <a:pPr algn="ctr">
-              <a:lnSpc>
-                <a:spcPct val="150000"/>
-              </a:lnSpc>
-              <a:defRPr/>
-            </a:pPr>
-            <a:r>
-              <a:rPr lang="en-US" altLang="ko-KR" sz="1200" b="1" dirty="0">
-                <a:solidFill>
-                  <a:prstClr val="black">
-                    <a:lumMod val="75000"/>
-                    <a:lumOff val="25000"/>
-                  </a:prstClr>
-                </a:solidFill>
-              </a:rPr>
-              <a:t>CONTENTS A</a:t>
-            </a:r>
-          </a:p>
-          <a:p>
-            <a:pPr algn="ctr">
-              <a:lnSpc>
-                <a:spcPct val="150000"/>
-              </a:lnSpc>
-              <a:defRPr/>
-            </a:pPr>
-            <a:r>
-              <a:rPr lang="ko-KR" altLang="en-US" sz="1050" dirty="0">
-                <a:solidFill>
-                  <a:prstClr val="black">
-                    <a:lumMod val="75000"/>
-                    <a:lumOff val="25000"/>
-                  </a:prstClr>
-                </a:solidFill>
-              </a:rPr>
-              <a:t>컨텐츠에 대한 내용을 적어요</a:t>
-            </a:r>
-            <a:endParaRPr lang="en-US" altLang="ko-KR" sz="1050" dirty="0">
-              <a:solidFill>
-                <a:prstClr val="black">
-                  <a:lumMod val="75000"/>
-                  <a:lumOff val="25000"/>
-                </a:prstClr>
-              </a:solidFill>
-            </a:endParaRPr>
-          </a:p>
-          <a:p>
-            <a:pPr algn="ctr">
-              <a:lnSpc>
-                <a:spcPct val="150000"/>
-              </a:lnSpc>
-              <a:defRPr/>
-            </a:pPr>
-            <a:r>
-              <a:rPr lang="ko-KR" altLang="en-US" sz="700" dirty="0">
-                <a:solidFill>
-                  <a:prstClr val="black">
-                    <a:lumMod val="75000"/>
-                    <a:lumOff val="25000"/>
-                  </a:prstClr>
-                </a:solidFill>
-              </a:rPr>
-              <a:t>Enjoy your stylish business and campus life with BIZCAM </a:t>
-            </a:r>
-          </a:p>
-        </p:txBody>
-      </p:sp>
-      <p:sp>
-        <p:nvSpPr>
-          <p:cNvPr id="21" name="직사각형 20">
-            <a:extLst>
-              <a:ext uri="{FF2B5EF4-FFF2-40B4-BE49-F238E27FC236}">
-                <a16:creationId xmlns:a16="http://schemas.microsoft.com/office/drawing/2014/main" id="{173C9D25-D4E3-B248-F3CF-7A817DBA0F32}"/>
-              </a:ext>
-            </a:extLst>
-          </p:cNvPr>
-          <p:cNvSpPr/>
-          <p:nvPr/>
-        </p:nvSpPr>
-        <p:spPr>
-          <a:xfrm>
-            <a:off x="7633906" y="5283311"/>
-            <a:ext cx="1985429" cy="934871"/>
-          </a:xfrm>
-          <a:prstGeom prst="rect">
-            <a:avLst/>
-          </a:prstGeom>
-        </p:spPr>
-        <p:txBody>
-          <a:bodyPr wrap="square">
-            <a:spAutoFit/>
-          </a:bodyPr>
-          <a:lstStyle/>
-          <a:p>
-            <a:pPr algn="ctr">
-              <a:lnSpc>
-                <a:spcPct val="150000"/>
-              </a:lnSpc>
-              <a:defRPr/>
-            </a:pPr>
-            <a:r>
-              <a:rPr lang="en-US" altLang="ko-KR" sz="1200" b="1" dirty="0">
-                <a:solidFill>
-                  <a:prstClr val="black">
-                    <a:lumMod val="75000"/>
-                    <a:lumOff val="25000"/>
-                  </a:prstClr>
-                </a:solidFill>
-              </a:rPr>
-              <a:t>CONTENTS A</a:t>
-            </a:r>
-          </a:p>
-          <a:p>
-            <a:pPr algn="ctr">
-              <a:lnSpc>
-                <a:spcPct val="150000"/>
-              </a:lnSpc>
-              <a:defRPr/>
-            </a:pPr>
-            <a:r>
-              <a:rPr lang="ko-KR" altLang="en-US" sz="1050" dirty="0">
-                <a:solidFill>
-                  <a:prstClr val="black">
-                    <a:lumMod val="75000"/>
-                    <a:lumOff val="25000"/>
-                  </a:prstClr>
-                </a:solidFill>
-              </a:rPr>
-              <a:t>컨텐츠에 대한 내용을 적어요</a:t>
-            </a:r>
-            <a:endParaRPr lang="en-US" altLang="ko-KR" sz="1050" dirty="0">
-              <a:solidFill>
-                <a:prstClr val="black">
-                  <a:lumMod val="75000"/>
-                  <a:lumOff val="25000"/>
-                </a:prstClr>
-              </a:solidFill>
-            </a:endParaRPr>
-          </a:p>
-          <a:p>
-            <a:pPr algn="ctr">
-              <a:lnSpc>
-                <a:spcPct val="150000"/>
-              </a:lnSpc>
-              <a:defRPr/>
-            </a:pPr>
-            <a:r>
-              <a:rPr lang="ko-KR" altLang="en-US" sz="700" dirty="0">
-                <a:solidFill>
-                  <a:prstClr val="black">
-                    <a:lumMod val="75000"/>
-                    <a:lumOff val="25000"/>
-                  </a:prstClr>
-                </a:solidFill>
-              </a:rPr>
-              <a:t>Enjoy your stylish business and campus life with BIZCAM </a:t>
-            </a:r>
-          </a:p>
-        </p:txBody>
-      </p:sp>
-    </p:spTree>
-    <p:extLst>
-      <p:ext uri="{BB962C8B-B14F-4D97-AF65-F5344CB8AC3E}">
-        <p14:creationId xmlns:p14="http://schemas.microsoft.com/office/powerpoint/2010/main" val="3311084767"/>
-      </p:ext>
-    </p:extLst>
-  </p:cSld>
-  <p:clrMapOvr>
-    <a:masterClrMapping/>
-  </p:clrMapOvr>
-  <p:transition spd="slow">
-    <p:push dir="u"/>
-  </p:transition>
-  <p:timing>
-    <p:tnLst>
-      <p:par>
-        <p:cTn id="1" dur="indefinite" restart="never" nodeType="tmRoot"/>
-      </p:par>
-    </p:tnLst>
-  </p:timing>
-</p:sld>
-</file>
-
-<file path=ppt/slides/slide5.xml><?xml version="1.0" encoding="utf-8"?>
-<p:sld xmlns:a="http://schemas.openxmlformats.org/drawingml/2006/main" xmlns:r="http://schemas.openxmlformats.org/officeDocument/2006/relationships" xmlns:p="http://schemas.openxmlformats.org/presentationml/2006/main">
-  <p:cSld>
-    <p:bg>
-      <p:bgPr>
-        <a:solidFill>
-          <a:schemeClr val="accent5">
-            <a:lumMod val="20000"/>
-            <a:lumOff val="80000"/>
-          </a:schemeClr>
-        </a:solidFill>
-        <a:effectLst/>
-      </p:bgPr>
-    </p:bg>
-    <p:spTree>
-      <p:nvGrpSpPr>
-        <p:cNvPr id="1" name=""/>
-        <p:cNvGrpSpPr/>
-        <p:nvPr/>
-      </p:nvGrpSpPr>
-      <p:grpSpPr>
-        <a:xfrm>
-          <a:off x="0" y="0"/>
-          <a:ext cx="0" cy="0"/>
-          <a:chOff x="0" y="0"/>
-          <a:chExt cx="0" cy="0"/>
-        </a:xfrm>
-      </p:grpSpPr>
-      <p:sp>
-        <p:nvSpPr>
-          <p:cNvPr id="3" name="사각형: 둥근 위쪽 모서리 2">
-            <a:extLst>
-              <a:ext uri="{FF2B5EF4-FFF2-40B4-BE49-F238E27FC236}">
-                <a16:creationId xmlns:a16="http://schemas.microsoft.com/office/drawing/2014/main" id="{9BDF9E9C-2163-B923-11B3-AB965C349204}"/>
-              </a:ext>
-            </a:extLst>
-          </p:cNvPr>
-          <p:cNvSpPr/>
-          <p:nvPr/>
-        </p:nvSpPr>
-        <p:spPr>
-          <a:xfrm>
-            <a:off x="378667" y="0"/>
-            <a:ext cx="11436506" cy="6857999"/>
-          </a:xfrm>
-          <a:prstGeom prst="round2SameRect">
-            <a:avLst>
               <a:gd name="adj1" fmla="val 3056"/>
               <a:gd name="adj2" fmla="val 4233"/>
             </a:avLst>
@@ -21975,7 +19647,7 @@
               <a:defRPr/>
             </a:pPr>
             <a:r>
-              <a:rPr lang="en-US" altLang="ko-KR" sz="2400" i="1" kern="0" dirty="0">
+              <a:rPr lang="en-US" altLang="ko-KR" sz="2400" i="1" kern="0" dirty="0" smtClean="0">
                 <a:ln w="9525">
                   <a:noFill/>
                 </a:ln>
@@ -21987,22 +19659,7 @@
                 <a:latin typeface="Tmon몬소리 Black" panose="02000A03000000000000" pitchFamily="2" charset="-127"/>
                 <a:ea typeface="Tmon몬소리 Black" panose="02000A03000000000000" pitchFamily="2" charset="-127"/>
               </a:rPr>
-              <a:t>PPT PRESENTATION </a:t>
-            </a:r>
-          </a:p>
-          <a:p>
-            <a:pPr algn="ctr">
-              <a:defRPr/>
-            </a:pPr>
-            <a:r>
-              <a:rPr lang="en-US" altLang="ko-KR" sz="700" kern="0" dirty="0">
-                <a:solidFill>
-                  <a:srgbClr val="4472C4">
-                    <a:lumMod val="50000"/>
-                  </a:srgbClr>
-                </a:solidFill>
-              </a:rPr>
-              <a:t>Enjoy your stylish business and campus life with BIZCAM</a:t>
+              <a:t>REUSE</a:t>
             </a:r>
             <a:endParaRPr lang="ko-KR" altLang="en-US" sz="1050" dirty="0">
               <a:solidFill>
@@ -22253,7 +19910,7 @@
 </p:sld>
 </file>
 
-<file path=ppt/slides/slide6.xml><?xml version="1.0" encoding="utf-8"?>
+<file path=ppt/slides/slide5.xml><?xml version="1.0" encoding="utf-8"?>
 <p:sld xmlns:a="http://schemas.openxmlformats.org/drawingml/2006/main" xmlns:r="http://schemas.openxmlformats.org/officeDocument/2006/relationships" xmlns:p="http://schemas.openxmlformats.org/presentationml/2006/main">
   <p:cSld>
     <p:bg>
@@ -22350,7 +20007,7 @@
               <a:defRPr/>
             </a:pPr>
             <a:r>
-              <a:rPr lang="en-US" altLang="ko-KR" sz="2400" i="1" kern="0" dirty="0">
+              <a:rPr lang="en-US" altLang="ko-KR" sz="2400" i="1" kern="0" dirty="0" smtClean="0">
                 <a:ln w="9525">
                   <a:noFill/>
                 </a:ln>
@@ -22362,22 +20019,7 @@
                 <a:latin typeface="Tmon몬소리 Black" panose="02000A03000000000000" pitchFamily="2" charset="-127"/>
                 <a:ea typeface="Tmon몬소리 Black" panose="02000A03000000000000" pitchFamily="2" charset="-127"/>
               </a:rPr>
-              <a:t>PPT PRESENTATION </a:t>
-            </a:r>
-          </a:p>
-          <a:p>
-            <a:pPr algn="ctr">
-              <a:defRPr/>
-            </a:pPr>
-            <a:r>
-              <a:rPr lang="en-US" altLang="ko-KR" sz="700" kern="0" dirty="0">
-                <a:solidFill>
-                  <a:srgbClr val="4472C4">
-                    <a:lumMod val="50000"/>
-                  </a:srgbClr>
-                </a:solidFill>
-              </a:rPr>
-              <a:t>Enjoy your stylish business and campus life with BIZCAM</a:t>
+              <a:t>REUSE</a:t>
             </a:r>
             <a:endParaRPr lang="ko-KR" altLang="en-US" sz="1050" dirty="0">
               <a:solidFill>
@@ -22568,7 +20210,7 @@
 </p:sld>
 </file>
 
-<file path=ppt/slides/slide7.xml><?xml version="1.0" encoding="utf-8"?>
+<file path=ppt/slides/slide6.xml><?xml version="1.0" encoding="utf-8"?>
 <p:sld xmlns:a="http://schemas.openxmlformats.org/drawingml/2006/main" xmlns:r="http://schemas.openxmlformats.org/officeDocument/2006/relationships" xmlns:p="http://schemas.openxmlformats.org/presentationml/2006/main">
   <p:cSld>
     <p:bg>
@@ -22665,7 +20307,7 @@
               <a:defRPr/>
             </a:pPr>
             <a:r>
-              <a:rPr lang="en-US" altLang="ko-KR" sz="2400" i="1" kern="0" dirty="0">
+              <a:rPr lang="en-US" altLang="ko-KR" sz="2400" i="1" kern="0" dirty="0" smtClean="0">
                 <a:ln w="9525">
                   <a:noFill/>
                 </a:ln>
@@ -22677,22 +20319,7 @@
                 <a:latin typeface="Tmon몬소리 Black" panose="02000A03000000000000" pitchFamily="2" charset="-127"/>
                 <a:ea typeface="Tmon몬소리 Black" panose="02000A03000000000000" pitchFamily="2" charset="-127"/>
               </a:rPr>
-              <a:t>PPT PRESENTATION </a:t>
-            </a:r>
-          </a:p>
-          <a:p>
-            <a:pPr algn="ctr">
-              <a:defRPr/>
-            </a:pPr>
-            <a:r>
-              <a:rPr lang="en-US" altLang="ko-KR" sz="700" kern="0" dirty="0">
-                <a:solidFill>
-                  <a:srgbClr val="4472C4">
-                    <a:lumMod val="50000"/>
-                  </a:srgbClr>
-                </a:solidFill>
-              </a:rPr>
-              <a:t>Enjoy your stylish business and campus life with BIZCAM</a:t>
+              <a:t>REUSE</a:t>
             </a:r>
             <a:endParaRPr lang="ko-KR" altLang="en-US" sz="1050" dirty="0">
               <a:solidFill>
@@ -22943,7 +20570,7 @@
 </p:sld>
 </file>
 
-<file path=ppt/slides/slide8.xml><?xml version="1.0" encoding="utf-8"?>
+<file path=ppt/slides/slide7.xml><?xml version="1.0" encoding="utf-8"?>
 <p:sld xmlns:a="http://schemas.openxmlformats.org/drawingml/2006/main" xmlns:r="http://schemas.openxmlformats.org/officeDocument/2006/relationships" xmlns:p="http://schemas.openxmlformats.org/presentationml/2006/main">
   <p:cSld>
     <p:bg>
@@ -23040,7 +20667,7 @@
               <a:defRPr/>
             </a:pPr>
             <a:r>
-              <a:rPr lang="en-US" altLang="ko-KR" sz="2400" i="1" kern="0" dirty="0">
+              <a:rPr lang="en-US" altLang="ko-KR" sz="2400" i="1" kern="0" dirty="0" smtClean="0">
                 <a:ln w="9525">
                   <a:noFill/>
                 </a:ln>
@@ -23052,22 +20679,7 @@
                 <a:latin typeface="Tmon몬소리 Black" panose="02000A03000000000000" pitchFamily="2" charset="-127"/>
                 <a:ea typeface="Tmon몬소리 Black" panose="02000A03000000000000" pitchFamily="2" charset="-127"/>
               </a:rPr>
-              <a:t>PPT PRESENTATION </a:t>
-            </a:r>
-          </a:p>
-          <a:p>
-            <a:pPr algn="ctr">
-              <a:defRPr/>
-            </a:pPr>
-            <a:r>
-              <a:rPr lang="en-US" altLang="ko-KR" sz="700" kern="0" dirty="0">
-                <a:solidFill>
-                  <a:srgbClr val="4472C4">
-                    <a:lumMod val="50000"/>
-                  </a:srgbClr>
-                </a:solidFill>
-              </a:rPr>
-              <a:t>Enjoy your stylish business and campus life with BIZCAM</a:t>
+              <a:t>REUSE</a:t>
             </a:r>
             <a:endParaRPr lang="ko-KR" altLang="en-US" sz="1050" dirty="0">
               <a:solidFill>
@@ -23304,7 +20916,7 @@
 </p:sld>
 </file>
 
-<file path=ppt/slides/slide9.xml><?xml version="1.0" encoding="utf-8"?>
+<file path=ppt/slides/slide8.xml><?xml version="1.0" encoding="utf-8"?>
 <p:sld xmlns:a="http://schemas.openxmlformats.org/drawingml/2006/main" xmlns:r="http://schemas.openxmlformats.org/officeDocument/2006/relationships" xmlns:p="http://schemas.openxmlformats.org/presentationml/2006/main">
   <p:cSld>
     <p:bg>
@@ -23401,7 +21013,7 @@
               <a:defRPr/>
             </a:pPr>
             <a:r>
-              <a:rPr lang="en-US" altLang="ko-KR" sz="2400" i="1" kern="0" dirty="0">
+              <a:rPr lang="en-US" altLang="ko-KR" sz="2400" i="1" kern="0" dirty="0" smtClean="0">
                 <a:ln w="9525">
                   <a:noFill/>
                 </a:ln>
@@ -23413,22 +21025,7 @@
                 <a:latin typeface="Tmon몬소리 Black" panose="02000A03000000000000" pitchFamily="2" charset="-127"/>
                 <a:ea typeface="Tmon몬소리 Black" panose="02000A03000000000000" pitchFamily="2" charset="-127"/>
               </a:rPr>
-              <a:t>PPT PRESENTATION </a:t>
-            </a:r>
-          </a:p>
-          <a:p>
-            <a:pPr algn="ctr">
-              <a:defRPr/>
-            </a:pPr>
-            <a:r>
-              <a:rPr lang="en-US" altLang="ko-KR" sz="700" kern="0" dirty="0">
-                <a:solidFill>
-                  <a:srgbClr val="4472C4">
-                    <a:lumMod val="50000"/>
-                  </a:srgbClr>
-                </a:solidFill>
-              </a:rPr>
-              <a:t>Enjoy your stylish business and campus life with BIZCAM</a:t>
+              <a:t>REUSE</a:t>
             </a:r>
             <a:endParaRPr lang="ko-KR" altLang="en-US" sz="1050" dirty="0">
               <a:solidFill>
@@ -23630,6 +21227,965 @@
     <p:extLst>
       <p:ext uri="{BB962C8B-B14F-4D97-AF65-F5344CB8AC3E}">
         <p14:creationId xmlns:p14="http://schemas.microsoft.com/office/powerpoint/2010/main" val="2406035008"/>
+      </p:ext>
+    </p:extLst>
+  </p:cSld>
+  <p:clrMapOvr>
+    <a:masterClrMapping/>
+  </p:clrMapOvr>
+  <p:transition spd="slow">
+    <p:push dir="u"/>
+  </p:transition>
+  <p:timing>
+    <p:tnLst>
+      <p:par>
+        <p:cTn id="1" dur="indefinite" restart="never" nodeType="tmRoot"/>
+      </p:par>
+    </p:tnLst>
+  </p:timing>
+</p:sld>
+</file>
+
+<file path=ppt/slides/slide9.xml><?xml version="1.0" encoding="utf-8"?>
+<p:sld xmlns:a="http://schemas.openxmlformats.org/drawingml/2006/main" xmlns:r="http://schemas.openxmlformats.org/officeDocument/2006/relationships" xmlns:p="http://schemas.openxmlformats.org/presentationml/2006/main">
+  <p:cSld>
+    <p:bg>
+      <p:bgPr>
+        <a:solidFill>
+          <a:schemeClr val="accent5">
+            <a:lumMod val="20000"/>
+            <a:lumOff val="80000"/>
+          </a:schemeClr>
+        </a:solidFill>
+        <a:effectLst/>
+      </p:bgPr>
+    </p:bg>
+    <p:spTree>
+      <p:nvGrpSpPr>
+        <p:cNvPr id="1" name=""/>
+        <p:cNvGrpSpPr/>
+        <p:nvPr/>
+      </p:nvGrpSpPr>
+      <p:grpSpPr>
+        <a:xfrm>
+          <a:off x="0" y="0"/>
+          <a:ext cx="0" cy="0"/>
+          <a:chOff x="0" y="0"/>
+          <a:chExt cx="0" cy="0"/>
+        </a:xfrm>
+      </p:grpSpPr>
+      <p:sp>
+        <p:nvSpPr>
+          <p:cNvPr id="3" name="사각형: 둥근 위쪽 모서리 2">
+            <a:extLst>
+              <a:ext uri="{FF2B5EF4-FFF2-40B4-BE49-F238E27FC236}">
+                <a16:creationId xmlns:a16="http://schemas.microsoft.com/office/drawing/2014/main" id="{9BDF9E9C-2163-B923-11B3-AB965C349204}"/>
+              </a:ext>
+            </a:extLst>
+          </p:cNvPr>
+          <p:cNvSpPr/>
+          <p:nvPr/>
+        </p:nvSpPr>
+        <p:spPr>
+          <a:xfrm>
+            <a:off x="378667" y="0"/>
+            <a:ext cx="11436506" cy="6857999"/>
+          </a:xfrm>
+          <a:prstGeom prst="round2SameRect">
+            <a:avLst>
+              <a:gd name="adj1" fmla="val 3056"/>
+              <a:gd name="adj2" fmla="val 4233"/>
+            </a:avLst>
+          </a:prstGeom>
+          <a:solidFill>
+            <a:schemeClr val="bg1"/>
+          </a:solidFill>
+          <a:ln w="82550">
+            <a:solidFill>
+              <a:schemeClr val="accent1">
+                <a:lumMod val="50000"/>
+              </a:schemeClr>
+            </a:solidFill>
+            <a:round/>
+          </a:ln>
+          <a:effectLst>
+            <a:innerShdw dist="165100" dir="5400000">
+              <a:schemeClr val="accent1">
+                <a:lumMod val="50000"/>
+                <a:alpha val="30000"/>
+              </a:schemeClr>
+            </a:innerShdw>
+          </a:effectLst>
+        </p:spPr>
+        <p:style>
+          <a:lnRef idx="2">
+            <a:schemeClr val="accent1">
+              <a:shade val="15000"/>
+            </a:schemeClr>
+          </a:lnRef>
+          <a:fillRef idx="1">
+            <a:schemeClr val="accent1"/>
+          </a:fillRef>
+          <a:effectRef idx="0">
+            <a:schemeClr val="accent1"/>
+          </a:effectRef>
+          <a:fontRef idx="minor">
+            <a:schemeClr val="lt1"/>
+          </a:fontRef>
+        </p:style>
+        <p:txBody>
+          <a:bodyPr wrap="square" tIns="144000" rtlCol="0" anchor="t">
+            <a:noAutofit/>
+          </a:bodyPr>
+          <a:lstStyle/>
+          <a:p>
+            <a:pPr algn="ctr">
+              <a:defRPr/>
+            </a:pPr>
+            <a:r>
+              <a:rPr lang="en-US" altLang="ko-KR" sz="2400" i="1" kern="0" dirty="0" smtClean="0">
+                <a:ln w="9525">
+                  <a:noFill/>
+                </a:ln>
+                <a:solidFill>
+                  <a:srgbClr val="4472C4">
+                    <a:lumMod val="50000"/>
+                  </a:srgbClr>
+                </a:solidFill>
+                <a:latin typeface="Tmon몬소리 Black" panose="02000A03000000000000" pitchFamily="2" charset="-127"/>
+                <a:ea typeface="Tmon몬소리 Black" panose="02000A03000000000000" pitchFamily="2" charset="-127"/>
+              </a:rPr>
+              <a:t>REUSE</a:t>
+            </a:r>
+            <a:endParaRPr lang="ko-KR" altLang="en-US" sz="1050" dirty="0">
+              <a:solidFill>
+                <a:srgbClr val="4472C4">
+                  <a:lumMod val="50000"/>
+                </a:srgbClr>
+              </a:solidFill>
+            </a:endParaRPr>
+          </a:p>
+        </p:txBody>
+      </p:sp>
+      <p:grpSp>
+        <p:nvGrpSpPr>
+          <p:cNvPr id="15" name="그룹 14">
+            <a:extLst>
+              <a:ext uri="{FF2B5EF4-FFF2-40B4-BE49-F238E27FC236}">
+                <a16:creationId xmlns:a16="http://schemas.microsoft.com/office/drawing/2014/main" id="{5CD4759D-FC55-2F92-AEF6-4EFA003CA396}"/>
+              </a:ext>
+            </a:extLst>
+          </p:cNvPr>
+          <p:cNvGrpSpPr/>
+          <p:nvPr/>
+        </p:nvGrpSpPr>
+        <p:grpSpPr>
+          <a:xfrm>
+            <a:off x="376827" y="279762"/>
+            <a:ext cx="2700000" cy="205740"/>
+            <a:chOff x="376827" y="279762"/>
+            <a:chExt cx="2700000" cy="205740"/>
+          </a:xfrm>
+        </p:grpSpPr>
+        <p:cxnSp>
+          <p:nvCxnSpPr>
+            <p:cNvPr id="9" name="직선 연결선 8">
+              <a:extLst>
+                <a:ext uri="{FF2B5EF4-FFF2-40B4-BE49-F238E27FC236}">
+                  <a16:creationId xmlns:a16="http://schemas.microsoft.com/office/drawing/2014/main" id="{851A6963-1BC3-4BE0-DDF6-E0850278AA56}"/>
+                </a:ext>
+              </a:extLst>
+            </p:cNvPr>
+            <p:cNvCxnSpPr>
+              <a:cxnSpLocks/>
+            </p:cNvCxnSpPr>
+            <p:nvPr/>
+          </p:nvCxnSpPr>
+          <p:spPr>
+            <a:xfrm>
+              <a:off x="376827" y="279762"/>
+              <a:ext cx="2088000" cy="0"/>
+            </a:xfrm>
+            <a:prstGeom prst="line">
+              <a:avLst/>
+            </a:prstGeom>
+            <a:ln w="22225">
+              <a:solidFill>
+                <a:schemeClr val="accent1">
+                  <a:lumMod val="50000"/>
+                </a:schemeClr>
+              </a:solidFill>
+            </a:ln>
+          </p:spPr>
+          <p:style>
+            <a:lnRef idx="1">
+              <a:schemeClr val="accent1"/>
+            </a:lnRef>
+            <a:fillRef idx="0">
+              <a:schemeClr val="accent1"/>
+            </a:fillRef>
+            <a:effectRef idx="0">
+              <a:schemeClr val="accent1"/>
+            </a:effectRef>
+            <a:fontRef idx="minor">
+              <a:schemeClr val="tx1"/>
+            </a:fontRef>
+          </p:style>
+        </p:cxnSp>
+        <p:cxnSp>
+          <p:nvCxnSpPr>
+            <p:cNvPr id="10" name="직선 연결선 9">
+              <a:extLst>
+                <a:ext uri="{FF2B5EF4-FFF2-40B4-BE49-F238E27FC236}">
+                  <a16:creationId xmlns:a16="http://schemas.microsoft.com/office/drawing/2014/main" id="{A34DD91B-7CBB-C9E4-ECBE-31DEECC645BB}"/>
+                </a:ext>
+              </a:extLst>
+            </p:cNvPr>
+            <p:cNvCxnSpPr>
+              <a:cxnSpLocks/>
+            </p:cNvCxnSpPr>
+            <p:nvPr/>
+          </p:nvCxnSpPr>
+          <p:spPr>
+            <a:xfrm>
+              <a:off x="376827" y="386442"/>
+              <a:ext cx="2700000" cy="0"/>
+            </a:xfrm>
+            <a:prstGeom prst="line">
+              <a:avLst/>
+            </a:prstGeom>
+            <a:ln w="22225">
+              <a:solidFill>
+                <a:schemeClr val="accent1">
+                  <a:lumMod val="50000"/>
+                </a:schemeClr>
+              </a:solidFill>
+            </a:ln>
+          </p:spPr>
+          <p:style>
+            <a:lnRef idx="1">
+              <a:schemeClr val="accent1"/>
+            </a:lnRef>
+            <a:fillRef idx="0">
+              <a:schemeClr val="accent1"/>
+            </a:fillRef>
+            <a:effectRef idx="0">
+              <a:schemeClr val="accent1"/>
+            </a:effectRef>
+            <a:fontRef idx="minor">
+              <a:schemeClr val="tx1"/>
+            </a:fontRef>
+          </p:style>
+        </p:cxnSp>
+        <p:cxnSp>
+          <p:nvCxnSpPr>
+            <p:cNvPr id="11" name="직선 연결선 10">
+              <a:extLst>
+                <a:ext uri="{FF2B5EF4-FFF2-40B4-BE49-F238E27FC236}">
+                  <a16:creationId xmlns:a16="http://schemas.microsoft.com/office/drawing/2014/main" id="{4AFB0FE2-B317-F729-D044-255108A19FC7}"/>
+                </a:ext>
+              </a:extLst>
+            </p:cNvPr>
+            <p:cNvCxnSpPr>
+              <a:cxnSpLocks/>
+            </p:cNvCxnSpPr>
+            <p:nvPr/>
+          </p:nvCxnSpPr>
+          <p:spPr>
+            <a:xfrm>
+              <a:off x="376827" y="485502"/>
+              <a:ext cx="1404000" cy="0"/>
+            </a:xfrm>
+            <a:prstGeom prst="line">
+              <a:avLst/>
+            </a:prstGeom>
+            <a:ln w="22225">
+              <a:solidFill>
+                <a:schemeClr val="accent1">
+                  <a:lumMod val="50000"/>
+                </a:schemeClr>
+              </a:solidFill>
+            </a:ln>
+          </p:spPr>
+          <p:style>
+            <a:lnRef idx="1">
+              <a:schemeClr val="accent1"/>
+            </a:lnRef>
+            <a:fillRef idx="0">
+              <a:schemeClr val="accent1"/>
+            </a:fillRef>
+            <a:effectRef idx="0">
+              <a:schemeClr val="accent1"/>
+            </a:effectRef>
+            <a:fontRef idx="minor">
+              <a:schemeClr val="tx1"/>
+            </a:fontRef>
+          </p:style>
+        </p:cxnSp>
+      </p:grpSp>
+      <p:sp>
+        <p:nvSpPr>
+          <p:cNvPr id="37" name="타원 36">
+            <a:extLst>
+              <a:ext uri="{FF2B5EF4-FFF2-40B4-BE49-F238E27FC236}">
+                <a16:creationId xmlns:a16="http://schemas.microsoft.com/office/drawing/2014/main" id="{674776AC-92EB-6078-A102-1C05F7614DF6}"/>
+              </a:ext>
+            </a:extLst>
+          </p:cNvPr>
+          <p:cNvSpPr/>
+          <p:nvPr/>
+        </p:nvSpPr>
+        <p:spPr>
+          <a:xfrm>
+            <a:off x="4893159" y="1855108"/>
+            <a:ext cx="2266950" cy="2266950"/>
+          </a:xfrm>
+          <a:prstGeom prst="ellipse">
+            <a:avLst/>
+          </a:prstGeom>
+          <a:solidFill>
+            <a:schemeClr val="bg1"/>
+          </a:solidFill>
+          <a:ln w="76200">
+            <a:solidFill>
+              <a:schemeClr val="accent1"/>
+            </a:solidFill>
+          </a:ln>
+        </p:spPr>
+        <p:style>
+          <a:lnRef idx="2">
+            <a:schemeClr val="accent1">
+              <a:shade val="50000"/>
+            </a:schemeClr>
+          </a:lnRef>
+          <a:fillRef idx="1">
+            <a:schemeClr val="accent1"/>
+          </a:fillRef>
+          <a:effectRef idx="0">
+            <a:schemeClr val="accent1"/>
+          </a:effectRef>
+          <a:fontRef idx="minor">
+            <a:schemeClr val="lt1"/>
+          </a:fontRef>
+        </p:style>
+        <p:txBody>
+          <a:bodyPr rtlCol="0" anchor="ctr"/>
+          <a:lstStyle/>
+          <a:p>
+            <a:pPr algn="ctr">
+              <a:defRPr/>
+            </a:pPr>
+            <a:r>
+              <a:rPr lang="en-US" altLang="ko-KR" sz="2400" b="1" dirty="0">
+                <a:solidFill>
+                  <a:prstClr val="black">
+                    <a:lumMod val="75000"/>
+                    <a:lumOff val="25000"/>
+                  </a:prstClr>
+                </a:solidFill>
+              </a:rPr>
+              <a:t>02</a:t>
+            </a:r>
+          </a:p>
+          <a:p>
+            <a:pPr algn="ctr">
+              <a:lnSpc>
+                <a:spcPct val="150000"/>
+              </a:lnSpc>
+              <a:defRPr/>
+            </a:pPr>
+            <a:r>
+              <a:rPr lang="en-US" altLang="ko-KR" sz="1400" dirty="0">
+                <a:solidFill>
+                  <a:prstClr val="black">
+                    <a:lumMod val="75000"/>
+                    <a:lumOff val="25000"/>
+                  </a:prstClr>
+                </a:solidFill>
+              </a:rPr>
+              <a:t>CONTENTS</a:t>
+            </a:r>
+          </a:p>
+        </p:txBody>
+      </p:sp>
+      <p:sp>
+        <p:nvSpPr>
+          <p:cNvPr id="38" name="타원 37">
+            <a:extLst>
+              <a:ext uri="{FF2B5EF4-FFF2-40B4-BE49-F238E27FC236}">
+                <a16:creationId xmlns:a16="http://schemas.microsoft.com/office/drawing/2014/main" id="{2897FC93-9919-6D0F-7AFD-3AB4FE247DF7}"/>
+              </a:ext>
+            </a:extLst>
+          </p:cNvPr>
+          <p:cNvSpPr/>
+          <p:nvPr/>
+        </p:nvSpPr>
+        <p:spPr>
+          <a:xfrm>
+            <a:off x="2200759" y="1855108"/>
+            <a:ext cx="2266950" cy="2266950"/>
+          </a:xfrm>
+          <a:prstGeom prst="ellipse">
+            <a:avLst/>
+          </a:prstGeom>
+          <a:solidFill>
+            <a:schemeClr val="bg1"/>
+          </a:solidFill>
+          <a:ln w="76200">
+            <a:solidFill>
+              <a:schemeClr val="accent1"/>
+            </a:solidFill>
+          </a:ln>
+        </p:spPr>
+        <p:style>
+          <a:lnRef idx="2">
+            <a:schemeClr val="accent1">
+              <a:shade val="50000"/>
+            </a:schemeClr>
+          </a:lnRef>
+          <a:fillRef idx="1">
+            <a:schemeClr val="accent1"/>
+          </a:fillRef>
+          <a:effectRef idx="0">
+            <a:schemeClr val="accent1"/>
+          </a:effectRef>
+          <a:fontRef idx="minor">
+            <a:schemeClr val="lt1"/>
+          </a:fontRef>
+        </p:style>
+        <p:txBody>
+          <a:bodyPr rtlCol="0" anchor="ctr"/>
+          <a:lstStyle/>
+          <a:p>
+            <a:pPr algn="ctr">
+              <a:defRPr/>
+            </a:pPr>
+            <a:r>
+              <a:rPr lang="en-US" altLang="ko-KR" sz="2400" b="1" dirty="0">
+                <a:solidFill>
+                  <a:prstClr val="black">
+                    <a:lumMod val="75000"/>
+                    <a:lumOff val="25000"/>
+                  </a:prstClr>
+                </a:solidFill>
+              </a:rPr>
+              <a:t>01</a:t>
+            </a:r>
+          </a:p>
+          <a:p>
+            <a:pPr algn="ctr">
+              <a:lnSpc>
+                <a:spcPct val="150000"/>
+              </a:lnSpc>
+              <a:defRPr/>
+            </a:pPr>
+            <a:r>
+              <a:rPr lang="en-US" altLang="ko-KR" sz="1400" dirty="0">
+                <a:solidFill>
+                  <a:prstClr val="black">
+                    <a:lumMod val="75000"/>
+                    <a:lumOff val="25000"/>
+                  </a:prstClr>
+                </a:solidFill>
+              </a:rPr>
+              <a:t>CONTENTS</a:t>
+            </a:r>
+          </a:p>
+        </p:txBody>
+      </p:sp>
+      <p:sp>
+        <p:nvSpPr>
+          <p:cNvPr id="39" name="이등변 삼각형 38">
+            <a:extLst>
+              <a:ext uri="{FF2B5EF4-FFF2-40B4-BE49-F238E27FC236}">
+                <a16:creationId xmlns:a16="http://schemas.microsoft.com/office/drawing/2014/main" id="{88917BB1-065F-46AF-6C75-774477F7158C}"/>
+              </a:ext>
+            </a:extLst>
+          </p:cNvPr>
+          <p:cNvSpPr/>
+          <p:nvPr/>
+        </p:nvSpPr>
+        <p:spPr>
+          <a:xfrm rot="5400000">
+            <a:off x="4424656" y="2685180"/>
+            <a:ext cx="972312" cy="606806"/>
+          </a:xfrm>
+          <a:prstGeom prst="triangle">
+            <a:avLst/>
+          </a:prstGeom>
+          <a:solidFill>
+            <a:schemeClr val="bg1"/>
+          </a:solidFill>
+          <a:ln>
+            <a:noFill/>
+          </a:ln>
+          <a:effectLst>
+            <a:outerShdw dist="38100" algn="l" rotWithShape="0">
+              <a:schemeClr val="accent1"/>
+            </a:outerShdw>
+          </a:effectLst>
+        </p:spPr>
+        <p:style>
+          <a:lnRef idx="2">
+            <a:schemeClr val="accent1">
+              <a:shade val="50000"/>
+            </a:schemeClr>
+          </a:lnRef>
+          <a:fillRef idx="1">
+            <a:schemeClr val="accent1"/>
+          </a:fillRef>
+          <a:effectRef idx="0">
+            <a:schemeClr val="accent1"/>
+          </a:effectRef>
+          <a:fontRef idx="minor">
+            <a:schemeClr val="lt1"/>
+          </a:fontRef>
+        </p:style>
+        <p:txBody>
+          <a:bodyPr rtlCol="0" anchor="ctr"/>
+          <a:lstStyle/>
+          <a:p>
+            <a:pPr algn="ctr">
+              <a:defRPr/>
+            </a:pPr>
+            <a:endParaRPr lang="ko-KR" altLang="en-US">
+              <a:solidFill>
+                <a:prstClr val="white"/>
+              </a:solidFill>
+            </a:endParaRPr>
+          </a:p>
+        </p:txBody>
+      </p:sp>
+      <p:sp>
+        <p:nvSpPr>
+          <p:cNvPr id="40" name="타원 39">
+            <a:extLst>
+              <a:ext uri="{FF2B5EF4-FFF2-40B4-BE49-F238E27FC236}">
+                <a16:creationId xmlns:a16="http://schemas.microsoft.com/office/drawing/2014/main" id="{9B669D97-823F-CFC2-8464-BED0A6D26605}"/>
+              </a:ext>
+            </a:extLst>
+          </p:cNvPr>
+          <p:cNvSpPr/>
+          <p:nvPr/>
+        </p:nvSpPr>
+        <p:spPr>
+          <a:xfrm>
+            <a:off x="7731609" y="1855108"/>
+            <a:ext cx="2266950" cy="2266950"/>
+          </a:xfrm>
+          <a:prstGeom prst="ellipse">
+            <a:avLst/>
+          </a:prstGeom>
+          <a:solidFill>
+            <a:schemeClr val="tx2">
+              <a:lumMod val="50000"/>
+            </a:schemeClr>
+          </a:solidFill>
+          <a:ln w="76200">
+            <a:solidFill>
+              <a:srgbClr val="FF9900"/>
+            </a:solidFill>
+          </a:ln>
+        </p:spPr>
+        <p:style>
+          <a:lnRef idx="2">
+            <a:schemeClr val="accent1">
+              <a:shade val="50000"/>
+            </a:schemeClr>
+          </a:lnRef>
+          <a:fillRef idx="1">
+            <a:schemeClr val="accent1"/>
+          </a:fillRef>
+          <a:effectRef idx="0">
+            <a:schemeClr val="accent1"/>
+          </a:effectRef>
+          <a:fontRef idx="minor">
+            <a:schemeClr val="lt1"/>
+          </a:fontRef>
+        </p:style>
+        <p:txBody>
+          <a:bodyPr rtlCol="0" anchor="ctr"/>
+          <a:lstStyle/>
+          <a:p>
+            <a:pPr algn="ctr">
+              <a:defRPr/>
+            </a:pPr>
+            <a:r>
+              <a:rPr lang="en-US" altLang="ko-KR" sz="2400" b="1" dirty="0">
+                <a:solidFill>
+                  <a:prstClr val="black">
+                    <a:lumMod val="75000"/>
+                    <a:lumOff val="25000"/>
+                  </a:prstClr>
+                </a:solidFill>
+              </a:rPr>
+              <a:t>03</a:t>
+            </a:r>
+          </a:p>
+          <a:p>
+            <a:pPr algn="ctr">
+              <a:lnSpc>
+                <a:spcPct val="150000"/>
+              </a:lnSpc>
+              <a:defRPr/>
+            </a:pPr>
+            <a:r>
+              <a:rPr lang="en-US" altLang="ko-KR" sz="1400" dirty="0">
+                <a:solidFill>
+                  <a:prstClr val="black">
+                    <a:lumMod val="75000"/>
+                    <a:lumOff val="25000"/>
+                  </a:prstClr>
+                </a:solidFill>
+              </a:rPr>
+              <a:t>CONTENTS</a:t>
+            </a:r>
+          </a:p>
+        </p:txBody>
+      </p:sp>
+      <p:sp>
+        <p:nvSpPr>
+          <p:cNvPr id="41" name="이등변 삼각형 40">
+            <a:extLst>
+              <a:ext uri="{FF2B5EF4-FFF2-40B4-BE49-F238E27FC236}">
+                <a16:creationId xmlns:a16="http://schemas.microsoft.com/office/drawing/2014/main" id="{7917F28D-2FC5-AA62-526E-2D7C95F7F6C9}"/>
+              </a:ext>
+            </a:extLst>
+          </p:cNvPr>
+          <p:cNvSpPr/>
+          <p:nvPr/>
+        </p:nvSpPr>
+        <p:spPr>
+          <a:xfrm rot="5400000">
+            <a:off x="7263106" y="2685180"/>
+            <a:ext cx="972312" cy="606806"/>
+          </a:xfrm>
+          <a:prstGeom prst="triangle">
+            <a:avLst/>
+          </a:prstGeom>
+          <a:solidFill>
+            <a:schemeClr val="bg1"/>
+          </a:solidFill>
+          <a:ln>
+            <a:noFill/>
+          </a:ln>
+          <a:effectLst>
+            <a:outerShdw dist="38100" algn="l" rotWithShape="0">
+              <a:srgbClr val="FF9900"/>
+            </a:outerShdw>
+          </a:effectLst>
+        </p:spPr>
+        <p:style>
+          <a:lnRef idx="2">
+            <a:schemeClr val="accent1">
+              <a:shade val="50000"/>
+            </a:schemeClr>
+          </a:lnRef>
+          <a:fillRef idx="1">
+            <a:schemeClr val="accent1"/>
+          </a:fillRef>
+          <a:effectRef idx="0">
+            <a:schemeClr val="accent1"/>
+          </a:effectRef>
+          <a:fontRef idx="minor">
+            <a:schemeClr val="lt1"/>
+          </a:fontRef>
+        </p:style>
+        <p:txBody>
+          <a:bodyPr rtlCol="0" anchor="ctr"/>
+          <a:lstStyle/>
+          <a:p>
+            <a:pPr algn="ctr">
+              <a:defRPr/>
+            </a:pPr>
+            <a:endParaRPr lang="ko-KR" altLang="en-US">
+              <a:solidFill>
+                <a:prstClr val="white"/>
+              </a:solidFill>
+            </a:endParaRPr>
+          </a:p>
+        </p:txBody>
+      </p:sp>
+      <p:sp>
+        <p:nvSpPr>
+          <p:cNvPr id="44" name="직사각형 43">
+            <a:extLst>
+              <a:ext uri="{FF2B5EF4-FFF2-40B4-BE49-F238E27FC236}">
+                <a16:creationId xmlns:a16="http://schemas.microsoft.com/office/drawing/2014/main" id="{CF27CF30-B418-5C98-4B39-7AA3F7470796}"/>
+              </a:ext>
+            </a:extLst>
+          </p:cNvPr>
+          <p:cNvSpPr/>
+          <p:nvPr/>
+        </p:nvSpPr>
+        <p:spPr>
+          <a:xfrm>
+            <a:off x="2068734" y="4541987"/>
+            <a:ext cx="2530999" cy="1246495"/>
+          </a:xfrm>
+          <a:prstGeom prst="rect">
+            <a:avLst/>
+          </a:prstGeom>
+        </p:spPr>
+        <p:txBody>
+          <a:bodyPr wrap="square">
+            <a:spAutoFit/>
+          </a:bodyPr>
+          <a:lstStyle/>
+          <a:p>
+            <a:pPr algn="ctr">
+              <a:lnSpc>
+                <a:spcPct val="150000"/>
+              </a:lnSpc>
+              <a:defRPr/>
+            </a:pPr>
+            <a:r>
+              <a:rPr lang="en-US" altLang="ko-KR" sz="1600" b="1" dirty="0">
+                <a:solidFill>
+                  <a:srgbClr val="44546A">
+                    <a:lumMod val="75000"/>
+                  </a:srgbClr>
+                </a:solidFill>
+              </a:rPr>
+              <a:t>CONTENTS</a:t>
+            </a:r>
+          </a:p>
+          <a:p>
+            <a:pPr algn="ctr">
+              <a:lnSpc>
+                <a:spcPct val="150000"/>
+              </a:lnSpc>
+              <a:defRPr/>
+            </a:pPr>
+            <a:r>
+              <a:rPr lang="ko-KR" altLang="en-US" sz="1400" dirty="0">
+                <a:solidFill>
+                  <a:prstClr val="black">
+                    <a:lumMod val="65000"/>
+                    <a:lumOff val="35000"/>
+                  </a:prstClr>
+                </a:solidFill>
+              </a:rPr>
+              <a:t>컨텐츠에 대한 내용을 적어요</a:t>
+            </a:r>
+            <a:endParaRPr lang="en-US" altLang="ko-KR" sz="1400" dirty="0">
+              <a:solidFill>
+                <a:prstClr val="black">
+                  <a:lumMod val="65000"/>
+                  <a:lumOff val="35000"/>
+                </a:prstClr>
+              </a:solidFill>
+            </a:endParaRPr>
+          </a:p>
+          <a:p>
+            <a:pPr algn="ctr">
+              <a:lnSpc>
+                <a:spcPct val="150000"/>
+              </a:lnSpc>
+              <a:defRPr/>
+            </a:pPr>
+            <a:r>
+              <a:rPr lang="ko-KR" altLang="en-US" sz="1000" dirty="0">
+                <a:solidFill>
+                  <a:prstClr val="black">
+                    <a:lumMod val="65000"/>
+                    <a:lumOff val="35000"/>
+                  </a:prstClr>
+                </a:solidFill>
+              </a:rPr>
+              <a:t>Enjoy your stylish business and campus life with BIZCAM </a:t>
+            </a:r>
+          </a:p>
+        </p:txBody>
+      </p:sp>
+      <p:sp>
+        <p:nvSpPr>
+          <p:cNvPr id="45" name="직사각형 44">
+            <a:extLst>
+              <a:ext uri="{FF2B5EF4-FFF2-40B4-BE49-F238E27FC236}">
+                <a16:creationId xmlns:a16="http://schemas.microsoft.com/office/drawing/2014/main" id="{814F326D-DF88-D4B9-3A22-922FD98AA39E}"/>
+              </a:ext>
+            </a:extLst>
+          </p:cNvPr>
+          <p:cNvSpPr/>
+          <p:nvPr/>
+        </p:nvSpPr>
+        <p:spPr>
+          <a:xfrm>
+            <a:off x="4761134" y="4533103"/>
+            <a:ext cx="2530999" cy="1246495"/>
+          </a:xfrm>
+          <a:prstGeom prst="rect">
+            <a:avLst/>
+          </a:prstGeom>
+        </p:spPr>
+        <p:txBody>
+          <a:bodyPr wrap="square">
+            <a:spAutoFit/>
+          </a:bodyPr>
+          <a:lstStyle/>
+          <a:p>
+            <a:pPr algn="ctr">
+              <a:lnSpc>
+                <a:spcPct val="150000"/>
+              </a:lnSpc>
+              <a:defRPr/>
+            </a:pPr>
+            <a:r>
+              <a:rPr lang="en-US" altLang="ko-KR" sz="1600" b="1" dirty="0">
+                <a:solidFill>
+                  <a:srgbClr val="44546A">
+                    <a:lumMod val="75000"/>
+                  </a:srgbClr>
+                </a:solidFill>
+              </a:rPr>
+              <a:t>CONTENTS</a:t>
+            </a:r>
+          </a:p>
+          <a:p>
+            <a:pPr algn="ctr">
+              <a:lnSpc>
+                <a:spcPct val="150000"/>
+              </a:lnSpc>
+              <a:defRPr/>
+            </a:pPr>
+            <a:r>
+              <a:rPr lang="ko-KR" altLang="en-US" sz="1400" dirty="0">
+                <a:solidFill>
+                  <a:prstClr val="black">
+                    <a:lumMod val="65000"/>
+                    <a:lumOff val="35000"/>
+                  </a:prstClr>
+                </a:solidFill>
+              </a:rPr>
+              <a:t>컨텐츠에 대한 내용을 적어요</a:t>
+            </a:r>
+            <a:endParaRPr lang="en-US" altLang="ko-KR" sz="1400" dirty="0">
+              <a:solidFill>
+                <a:prstClr val="black">
+                  <a:lumMod val="65000"/>
+                  <a:lumOff val="35000"/>
+                </a:prstClr>
+              </a:solidFill>
+            </a:endParaRPr>
+          </a:p>
+          <a:p>
+            <a:pPr algn="ctr">
+              <a:lnSpc>
+                <a:spcPct val="150000"/>
+              </a:lnSpc>
+              <a:defRPr/>
+            </a:pPr>
+            <a:r>
+              <a:rPr lang="ko-KR" altLang="en-US" sz="1000" dirty="0">
+                <a:solidFill>
+                  <a:prstClr val="black">
+                    <a:lumMod val="65000"/>
+                    <a:lumOff val="35000"/>
+                  </a:prstClr>
+                </a:solidFill>
+              </a:rPr>
+              <a:t>Enjoy your stylish business and campus life with BIZCAM </a:t>
+            </a:r>
+          </a:p>
+        </p:txBody>
+      </p:sp>
+      <p:sp>
+        <p:nvSpPr>
+          <p:cNvPr id="46" name="직사각형 45">
+            <a:extLst>
+              <a:ext uri="{FF2B5EF4-FFF2-40B4-BE49-F238E27FC236}">
+                <a16:creationId xmlns:a16="http://schemas.microsoft.com/office/drawing/2014/main" id="{B11D4CF5-5276-5BC9-4506-378501F7571E}"/>
+              </a:ext>
+            </a:extLst>
+          </p:cNvPr>
+          <p:cNvSpPr/>
+          <p:nvPr/>
+        </p:nvSpPr>
+        <p:spPr>
+          <a:xfrm>
+            <a:off x="7599584" y="4533102"/>
+            <a:ext cx="2530999" cy="1246495"/>
+          </a:xfrm>
+          <a:prstGeom prst="rect">
+            <a:avLst/>
+          </a:prstGeom>
+        </p:spPr>
+        <p:txBody>
+          <a:bodyPr wrap="square">
+            <a:spAutoFit/>
+          </a:bodyPr>
+          <a:lstStyle/>
+          <a:p>
+            <a:pPr algn="ctr">
+              <a:lnSpc>
+                <a:spcPct val="150000"/>
+              </a:lnSpc>
+              <a:defRPr/>
+            </a:pPr>
+            <a:r>
+              <a:rPr lang="en-US" altLang="ko-KR" sz="1600" b="1" dirty="0">
+                <a:solidFill>
+                  <a:srgbClr val="44546A">
+                    <a:lumMod val="75000"/>
+                  </a:srgbClr>
+                </a:solidFill>
+              </a:rPr>
+              <a:t>CONTENTS</a:t>
+            </a:r>
+          </a:p>
+          <a:p>
+            <a:pPr algn="ctr">
+              <a:lnSpc>
+                <a:spcPct val="150000"/>
+              </a:lnSpc>
+              <a:defRPr/>
+            </a:pPr>
+            <a:r>
+              <a:rPr lang="ko-KR" altLang="en-US" sz="1400" dirty="0">
+                <a:solidFill>
+                  <a:prstClr val="black">
+                    <a:lumMod val="65000"/>
+                    <a:lumOff val="35000"/>
+                  </a:prstClr>
+                </a:solidFill>
+              </a:rPr>
+              <a:t>컨텐츠에 대한 내용을 적어요</a:t>
+            </a:r>
+            <a:endParaRPr lang="en-US" altLang="ko-KR" sz="1400" dirty="0">
+              <a:solidFill>
+                <a:prstClr val="black">
+                  <a:lumMod val="65000"/>
+                  <a:lumOff val="35000"/>
+                </a:prstClr>
+              </a:solidFill>
+            </a:endParaRPr>
+          </a:p>
+          <a:p>
+            <a:pPr algn="ctr">
+              <a:lnSpc>
+                <a:spcPct val="150000"/>
+              </a:lnSpc>
+              <a:defRPr/>
+            </a:pPr>
+            <a:r>
+              <a:rPr lang="ko-KR" altLang="en-US" sz="1000" dirty="0">
+                <a:solidFill>
+                  <a:prstClr val="black">
+                    <a:lumMod val="65000"/>
+                    <a:lumOff val="35000"/>
+                  </a:prstClr>
+                </a:solidFill>
+              </a:rPr>
+              <a:t>Enjoy your stylish business and campus life with BIZCAM </a:t>
+            </a:r>
+          </a:p>
+        </p:txBody>
+      </p:sp>
+    </p:spTree>
+    <p:extLst>
+      <p:ext uri="{BB962C8B-B14F-4D97-AF65-F5344CB8AC3E}">
+        <p14:creationId xmlns:p14="http://schemas.microsoft.com/office/powerpoint/2010/main" val="2674971444"/>
       </p:ext>
     </p:extLst>
   </p:cSld>
